--- a/GFG JS Course Curriculam/Articles/004 String Values.pptx
+++ b/GFG JS Course Curriculam/Articles/004 String Values.pptx
@@ -2,7 +2,7 @@
 <file path=ppt/presentation.xml><?xml version="1.0" encoding="utf-8"?>
 <p:presentation xmlns:a="http://schemas.openxmlformats.org/drawingml/2006/main" xmlns:r="http://schemas.openxmlformats.org/officeDocument/2006/relationships" xmlns:p="http://schemas.openxmlformats.org/presentationml/2006/main" saveSubsetFonts="1">
   <p:sldMasterIdLst>
-    <p:sldMasterId id="2147483966" r:id="rId4"/>
+    <p:sldMasterId id="2147484050" r:id="rId4"/>
   </p:sldMasterIdLst>
   <p:sldIdLst>
     <p:sldId id="256" r:id="rId5"/>
@@ -30,7 +30,7 @@
     <a:defPPr>
       <a:defRPr lang="en-US"/>
     </a:defPPr>
-    <a:lvl1pPr marL="0" algn="l" defTabSz="914400" rtl="0" eaLnBrk="1" latinLnBrk="0" hangingPunct="1">
+    <a:lvl1pPr marL="0" algn="l" defTabSz="457200" rtl="0" eaLnBrk="1" latinLnBrk="0" hangingPunct="1">
       <a:defRPr sz="1800" kern="1200">
         <a:solidFill>
           <a:schemeClr val="tx1"/>
@@ -40,7 +40,7 @@
         <a:cs typeface="+mn-cs"/>
       </a:defRPr>
     </a:lvl1pPr>
-    <a:lvl2pPr marL="457200" algn="l" defTabSz="914400" rtl="0" eaLnBrk="1" latinLnBrk="0" hangingPunct="1">
+    <a:lvl2pPr marL="457200" algn="l" defTabSz="457200" rtl="0" eaLnBrk="1" latinLnBrk="0" hangingPunct="1">
       <a:defRPr sz="1800" kern="1200">
         <a:solidFill>
           <a:schemeClr val="tx1"/>
@@ -50,7 +50,7 @@
         <a:cs typeface="+mn-cs"/>
       </a:defRPr>
     </a:lvl2pPr>
-    <a:lvl3pPr marL="914400" algn="l" defTabSz="914400" rtl="0" eaLnBrk="1" latinLnBrk="0" hangingPunct="1">
+    <a:lvl3pPr marL="914400" algn="l" defTabSz="457200" rtl="0" eaLnBrk="1" latinLnBrk="0" hangingPunct="1">
       <a:defRPr sz="1800" kern="1200">
         <a:solidFill>
           <a:schemeClr val="tx1"/>
@@ -60,7 +60,7 @@
         <a:cs typeface="+mn-cs"/>
       </a:defRPr>
     </a:lvl3pPr>
-    <a:lvl4pPr marL="1371600" algn="l" defTabSz="914400" rtl="0" eaLnBrk="1" latinLnBrk="0" hangingPunct="1">
+    <a:lvl4pPr marL="1371600" algn="l" defTabSz="457200" rtl="0" eaLnBrk="1" latinLnBrk="0" hangingPunct="1">
       <a:defRPr sz="1800" kern="1200">
         <a:solidFill>
           <a:schemeClr val="tx1"/>
@@ -70,7 +70,7 @@
         <a:cs typeface="+mn-cs"/>
       </a:defRPr>
     </a:lvl4pPr>
-    <a:lvl5pPr marL="1828800" algn="l" defTabSz="914400" rtl="0" eaLnBrk="1" latinLnBrk="0" hangingPunct="1">
+    <a:lvl5pPr marL="1828800" algn="l" defTabSz="457200" rtl="0" eaLnBrk="1" latinLnBrk="0" hangingPunct="1">
       <a:defRPr sz="1800" kern="1200">
         <a:solidFill>
           <a:schemeClr val="tx1"/>
@@ -80,7 +80,7 @@
         <a:cs typeface="+mn-cs"/>
       </a:defRPr>
     </a:lvl5pPr>
-    <a:lvl6pPr marL="2286000" algn="l" defTabSz="914400" rtl="0" eaLnBrk="1" latinLnBrk="0" hangingPunct="1">
+    <a:lvl6pPr marL="2286000" algn="l" defTabSz="457200" rtl="0" eaLnBrk="1" latinLnBrk="0" hangingPunct="1">
       <a:defRPr sz="1800" kern="1200">
         <a:solidFill>
           <a:schemeClr val="tx1"/>
@@ -90,7 +90,7 @@
         <a:cs typeface="+mn-cs"/>
       </a:defRPr>
     </a:lvl6pPr>
-    <a:lvl7pPr marL="2743200" algn="l" defTabSz="914400" rtl="0" eaLnBrk="1" latinLnBrk="0" hangingPunct="1">
+    <a:lvl7pPr marL="2743200" algn="l" defTabSz="457200" rtl="0" eaLnBrk="1" latinLnBrk="0" hangingPunct="1">
       <a:defRPr sz="1800" kern="1200">
         <a:solidFill>
           <a:schemeClr val="tx1"/>
@@ -100,7 +100,7 @@
         <a:cs typeface="+mn-cs"/>
       </a:defRPr>
     </a:lvl7pPr>
-    <a:lvl8pPr marL="3200400" algn="l" defTabSz="914400" rtl="0" eaLnBrk="1" latinLnBrk="0" hangingPunct="1">
+    <a:lvl8pPr marL="3200400" algn="l" defTabSz="457200" rtl="0" eaLnBrk="1" latinLnBrk="0" hangingPunct="1">
       <a:defRPr sz="1800" kern="1200">
         <a:solidFill>
           <a:schemeClr val="tx1"/>
@@ -110,7 +110,7 @@
         <a:cs typeface="+mn-cs"/>
       </a:defRPr>
     </a:lvl8pPr>
-    <a:lvl9pPr marL="3657600" algn="l" defTabSz="914400" rtl="0" eaLnBrk="1" latinLnBrk="0" hangingPunct="1">
+    <a:lvl9pPr marL="3657600" algn="l" defTabSz="457200" rtl="0" eaLnBrk="1" latinLnBrk="0" hangingPunct="1">
       <a:defRPr sz="1800" kern="1200">
         <a:solidFill>
           <a:schemeClr val="tx1"/>
@@ -302,31 +302,76 @@
       </p:grpSpPr>
       <p:sp>
         <p:nvSpPr>
-          <p:cNvPr id="2" name="Title 1">
-            <a:extLst>
-              <a:ext uri="{FF2B5EF4-FFF2-40B4-BE49-F238E27FC236}">
-                <a16:creationId xmlns:a16="http://schemas.microsoft.com/office/drawing/2014/main" id="{EB568A38-4819-B294-56F1-7884FAE96130}"/>
-              </a:ext>
-            </a:extLst>
-          </p:cNvPr>
-          <p:cNvSpPr>
-            <a:spLocks noGrp="1"/>
-          </p:cNvSpPr>
-          <p:nvPr>
-            <p:ph type="ctrTitle"/>
-          </p:nvPr>
+          <p:cNvPr id="7" name="Rectangle 6"/>
+          <p:cNvSpPr>
+            <a:spLocks noChangeAspect="1"/>
+          </p:cNvSpPr>
+          <p:nvPr/>
         </p:nvSpPr>
         <p:spPr>
           <a:xfrm>
-            <a:off x="1524000" y="1122363"/>
-            <a:ext cx="9144000" cy="2387600"/>
+            <a:off x="231140" y="243840"/>
+            <a:ext cx="11724640" cy="6377939"/>
+          </a:xfrm>
+          <a:prstGeom prst="rect">
+            <a:avLst/>
+          </a:prstGeom>
+          <a:solidFill>
+            <a:schemeClr val="accent1"/>
+          </a:solidFill>
+          <a:ln w="12700">
+            <a:solidFill>
+              <a:srgbClr val="FFFFFF"/>
+            </a:solidFill>
+          </a:ln>
+        </p:spPr>
+        <p:style>
+          <a:lnRef idx="2">
+            <a:schemeClr val="accent1">
+              <a:shade val="50000"/>
+            </a:schemeClr>
+          </a:lnRef>
+          <a:fillRef idx="1">
+            <a:schemeClr val="accent1"/>
+          </a:fillRef>
+          <a:effectRef idx="0">
+            <a:schemeClr val="accent1"/>
+          </a:effectRef>
+          <a:fontRef idx="minor">
+            <a:schemeClr val="lt1"/>
+          </a:fontRef>
+        </p:style>
+      </p:sp>
+      <p:sp>
+        <p:nvSpPr>
+          <p:cNvPr id="2" name="Title 1"/>
+          <p:cNvSpPr>
+            <a:spLocks noGrp="1"/>
+          </p:cNvSpPr>
+          <p:nvPr>
+            <p:ph type="ctrTitle"/>
+          </p:nvPr>
+        </p:nvSpPr>
+        <p:spPr>
+          <a:xfrm>
+            <a:off x="1109980" y="882376"/>
+            <a:ext cx="9966960" cy="2926080"/>
           </a:xfrm>
         </p:spPr>
         <p:txBody>
-          <a:bodyPr anchor="b"/>
+          <a:bodyPr anchor="b">
+            <a:normAutofit/>
+          </a:bodyPr>
           <a:lstStyle>
             <a:lvl1pPr algn="ctr">
-              <a:defRPr sz="6000"/>
+              <a:lnSpc>
+                <a:spcPct val="85000"/>
+              </a:lnSpc>
+              <a:defRPr sz="7200" b="1" cap="all" baseline="0">
+                <a:solidFill>
+                  <a:srgbClr val="FFFFFF"/>
+                </a:solidFill>
+              </a:defRPr>
             </a:lvl1pPr>
           </a:lstStyle>
           <a:p>
@@ -334,19 +379,13 @@
               <a:rPr lang="en-US"/>
               <a:t>Click to edit Master title style</a:t>
             </a:r>
-            <a:endParaRPr lang="en-IN"/>
-          </a:p>
-        </p:txBody>
-      </p:sp>
-      <p:sp>
-        <p:nvSpPr>
-          <p:cNvPr id="3" name="Subtitle 2">
-            <a:extLst>
-              <a:ext uri="{FF2B5EF4-FFF2-40B4-BE49-F238E27FC236}">
-                <a16:creationId xmlns:a16="http://schemas.microsoft.com/office/drawing/2014/main" id="{E7428D48-ADBA-3B7C-34DE-8BFFAF26D30C}"/>
-              </a:ext>
-            </a:extLst>
-          </p:cNvPr>
+            <a:endParaRPr lang="en-US" dirty="0"/>
+          </a:p>
+        </p:txBody>
+      </p:sp>
+      <p:sp>
+        <p:nvSpPr>
+          <p:cNvPr id="3" name="Subtitle 2"/>
           <p:cNvSpPr>
             <a:spLocks noGrp="1"/>
           </p:cNvSpPr>
@@ -356,83 +395,91 @@
         </p:nvSpPr>
         <p:spPr>
           <a:xfrm>
-            <a:off x="1524000" y="3602038"/>
-            <a:ext cx="9144000" cy="1655762"/>
+            <a:off x="1709530" y="3869634"/>
+            <a:ext cx="8767860" cy="1388165"/>
           </a:xfrm>
         </p:spPr>
         <p:txBody>
+          <a:bodyPr>
+            <a:normAutofit/>
+          </a:bodyPr>
+          <a:lstStyle>
+            <a:lvl1pPr marL="0" indent="0" algn="ctr">
+              <a:buNone/>
+              <a:defRPr sz="2200">
+                <a:solidFill>
+                  <a:srgbClr val="FFFFFF"/>
+                </a:solidFill>
+              </a:defRPr>
+            </a:lvl1pPr>
+            <a:lvl2pPr marL="457200" indent="0" algn="ctr">
+              <a:buNone/>
+              <a:defRPr sz="2200"/>
+            </a:lvl2pPr>
+            <a:lvl3pPr marL="914400" indent="0" algn="ctr">
+              <a:buNone/>
+              <a:defRPr sz="2200"/>
+            </a:lvl3pPr>
+            <a:lvl4pPr marL="1371600" indent="0" algn="ctr">
+              <a:buNone/>
+              <a:defRPr sz="2000"/>
+            </a:lvl4pPr>
+            <a:lvl5pPr marL="1828800" indent="0" algn="ctr">
+              <a:buNone/>
+              <a:defRPr sz="2000"/>
+            </a:lvl5pPr>
+            <a:lvl6pPr marL="2286000" indent="0" algn="ctr">
+              <a:buNone/>
+              <a:defRPr sz="2000"/>
+            </a:lvl6pPr>
+            <a:lvl7pPr marL="2743200" indent="0" algn="ctr">
+              <a:buNone/>
+              <a:defRPr sz="2000"/>
+            </a:lvl7pPr>
+            <a:lvl8pPr marL="3200400" indent="0" algn="ctr">
+              <a:buNone/>
+              <a:defRPr sz="2000"/>
+            </a:lvl8pPr>
+            <a:lvl9pPr marL="3657600" indent="0" algn="ctr">
+              <a:buNone/>
+              <a:defRPr sz="2000"/>
+            </a:lvl9pPr>
+          </a:lstStyle>
+          <a:p>
+            <a:r>
+              <a:rPr lang="en-US"/>
+              <a:t>Click to edit Master subtitle style</a:t>
+            </a:r>
+            <a:endParaRPr lang="en-US" dirty="0"/>
+          </a:p>
+        </p:txBody>
+      </p:sp>
+      <p:sp>
+        <p:nvSpPr>
+          <p:cNvPr id="4" name="Date Placeholder 3"/>
+          <p:cNvSpPr>
+            <a:spLocks noGrp="1"/>
+          </p:cNvSpPr>
+          <p:nvPr>
+            <p:ph type="dt" sz="half" idx="10"/>
+          </p:nvPr>
+        </p:nvSpPr>
+        <p:spPr/>
+        <p:txBody>
           <a:bodyPr/>
           <a:lstStyle>
-            <a:lvl1pPr marL="0" indent="0" algn="ctr">
-              <a:buNone/>
-              <a:defRPr sz="2400"/>
+            <a:lvl1pPr>
+              <a:defRPr>
+                <a:solidFill>
+                  <a:srgbClr val="FFFFFF"/>
+                </a:solidFill>
+              </a:defRPr>
             </a:lvl1pPr>
-            <a:lvl2pPr marL="457200" indent="0" algn="ctr">
-              <a:buNone/>
-              <a:defRPr sz="2000"/>
-            </a:lvl2pPr>
-            <a:lvl3pPr marL="914400" indent="0" algn="ctr">
-              <a:buNone/>
-              <a:defRPr sz="1800"/>
-            </a:lvl3pPr>
-            <a:lvl4pPr marL="1371600" indent="0" algn="ctr">
-              <a:buNone/>
-              <a:defRPr sz="1600"/>
-            </a:lvl4pPr>
-            <a:lvl5pPr marL="1828800" indent="0" algn="ctr">
-              <a:buNone/>
-              <a:defRPr sz="1600"/>
-            </a:lvl5pPr>
-            <a:lvl6pPr marL="2286000" indent="0" algn="ctr">
-              <a:buNone/>
-              <a:defRPr sz="1600"/>
-            </a:lvl6pPr>
-            <a:lvl7pPr marL="2743200" indent="0" algn="ctr">
-              <a:buNone/>
-              <a:defRPr sz="1600"/>
-            </a:lvl7pPr>
-            <a:lvl8pPr marL="3200400" indent="0" algn="ctr">
-              <a:buNone/>
-              <a:defRPr sz="1600"/>
-            </a:lvl8pPr>
-            <a:lvl9pPr marL="3657600" indent="0" algn="ctr">
-              <a:buNone/>
-              <a:defRPr sz="1600"/>
-            </a:lvl9pPr>
           </a:lstStyle>
-          <a:p>
-            <a:r>
-              <a:rPr lang="en-US"/>
-              <a:t>Click to edit Master subtitle style</a:t>
-            </a:r>
-            <a:endParaRPr lang="en-IN"/>
-          </a:p>
-        </p:txBody>
-      </p:sp>
-      <p:sp>
-        <p:nvSpPr>
-          <p:cNvPr id="4" name="Date Placeholder 3">
-            <a:extLst>
-              <a:ext uri="{FF2B5EF4-FFF2-40B4-BE49-F238E27FC236}">
-                <a16:creationId xmlns:a16="http://schemas.microsoft.com/office/drawing/2014/main" id="{F7BE1446-68EC-EEA3-783E-5C7B7B3FB4AA}"/>
-              </a:ext>
-            </a:extLst>
-          </p:cNvPr>
-          <p:cNvSpPr>
-            <a:spLocks noGrp="1"/>
-          </p:cNvSpPr>
-          <p:nvPr>
-            <p:ph type="dt" sz="half" idx="10"/>
-          </p:nvPr>
-        </p:nvSpPr>
-        <p:spPr/>
-        <p:txBody>
-          <a:bodyPr/>
-          <a:lstStyle/>
           <a:p>
             <a:fld id="{E43A1977-0EB2-419C-8046-0F4A66D252E0}" type="datetimeFigureOut">
               <a:rPr lang="en-US" smtClean="0"/>
-              <a:t>12/18/2022</a:t>
+              <a:t>12/25/2022</a:t>
             </a:fld>
             <a:endParaRPr lang="en-US"/>
           </a:p>
@@ -440,13 +487,7 @@
       </p:sp>
       <p:sp>
         <p:nvSpPr>
-          <p:cNvPr id="5" name="Footer Placeholder 4">
-            <a:extLst>
-              <a:ext uri="{FF2B5EF4-FFF2-40B4-BE49-F238E27FC236}">
-                <a16:creationId xmlns:a16="http://schemas.microsoft.com/office/drawing/2014/main" id="{B5FF45B4-8C61-96BE-D12D-234D3BB1586A}"/>
-              </a:ext>
-            </a:extLst>
-          </p:cNvPr>
+          <p:cNvPr id="5" name="Footer Placeholder 4"/>
           <p:cNvSpPr>
             <a:spLocks noGrp="1"/>
           </p:cNvSpPr>
@@ -457,7 +498,15 @@
         <p:spPr/>
         <p:txBody>
           <a:bodyPr/>
-          <a:lstStyle/>
+          <a:lstStyle>
+            <a:lvl1pPr>
+              <a:defRPr>
+                <a:solidFill>
+                  <a:srgbClr val="FFFFFF"/>
+                </a:solidFill>
+              </a:defRPr>
+            </a:lvl1pPr>
+          </a:lstStyle>
           <a:p>
             <a:endParaRPr lang="en-US"/>
           </a:p>
@@ -465,13 +514,7 @@
       </p:sp>
       <p:sp>
         <p:nvSpPr>
-          <p:cNvPr id="6" name="Slide Number Placeholder 5">
-            <a:extLst>
-              <a:ext uri="{FF2B5EF4-FFF2-40B4-BE49-F238E27FC236}">
-                <a16:creationId xmlns:a16="http://schemas.microsoft.com/office/drawing/2014/main" id="{8AE7DCD8-071C-202A-78DC-7E62D1A364BE}"/>
-              </a:ext>
-            </a:extLst>
-          </p:cNvPr>
+          <p:cNvPr id="6" name="Slide Number Placeholder 5"/>
           <p:cNvSpPr>
             <a:spLocks noGrp="1"/>
           </p:cNvSpPr>
@@ -482,7 +525,15 @@
         <p:spPr/>
         <p:txBody>
           <a:bodyPr/>
-          <a:lstStyle/>
+          <a:lstStyle>
+            <a:lvl1pPr>
+              <a:defRPr>
+                <a:solidFill>
+                  <a:srgbClr val="FFFFFF"/>
+                </a:solidFill>
+              </a:defRPr>
+            </a:lvl1pPr>
+          </a:lstStyle>
           <a:p>
             <a:fld id="{53319150-4AD2-4BC3-9704-7659A65200A3}" type="slidenum">
               <a:rPr lang="en-US" smtClean="0"/>
@@ -492,10 +543,45 @@
           </a:p>
         </p:txBody>
       </p:sp>
+      <p:cxnSp>
+        <p:nvCxnSpPr>
+          <p:cNvPr id="8" name="Straight Connector 7"/>
+          <p:cNvCxnSpPr/>
+          <p:nvPr/>
+        </p:nvCxnSpPr>
+        <p:spPr>
+          <a:xfrm>
+            <a:off x="1978660" y="3733800"/>
+            <a:ext cx="8229601" cy="0"/>
+          </a:xfrm>
+          <a:prstGeom prst="line">
+            <a:avLst/>
+          </a:prstGeom>
+          <a:ln>
+            <a:solidFill>
+              <a:srgbClr val="FFFFFF"/>
+            </a:solidFill>
+          </a:ln>
+        </p:spPr>
+        <p:style>
+          <a:lnRef idx="1">
+            <a:schemeClr val="accent1"/>
+          </a:lnRef>
+          <a:fillRef idx="0">
+            <a:schemeClr val="accent1"/>
+          </a:fillRef>
+          <a:effectRef idx="0">
+            <a:schemeClr val="accent1"/>
+          </a:effectRef>
+          <a:fontRef idx="minor">
+            <a:schemeClr val="tx1"/>
+          </a:fontRef>
+        </p:style>
+      </p:cxnSp>
     </p:spTree>
     <p:extLst>
       <p:ext uri="{BB962C8B-B14F-4D97-AF65-F5344CB8AC3E}">
-        <p14:creationId xmlns:p14="http://schemas.microsoft.com/office/powerpoint/2010/main" val="1637234303"/>
+        <p14:creationId xmlns:p14="http://schemas.microsoft.com/office/powerpoint/2010/main" val="4056533353"/>
       </p:ext>
     </p:extLst>
   </p:cSld>
@@ -524,13 +610,7 @@
       </p:grpSpPr>
       <p:sp>
         <p:nvSpPr>
-          <p:cNvPr id="2" name="Title 1">
-            <a:extLst>
-              <a:ext uri="{FF2B5EF4-FFF2-40B4-BE49-F238E27FC236}">
-                <a16:creationId xmlns:a16="http://schemas.microsoft.com/office/drawing/2014/main" id="{36F409B3-8A9C-3B3E-87FC-E807790A9219}"/>
-              </a:ext>
-            </a:extLst>
-          </p:cNvPr>
+          <p:cNvPr id="2" name="Title 1"/>
           <p:cNvSpPr>
             <a:spLocks noGrp="1"/>
           </p:cNvSpPr>
@@ -547,19 +627,13 @@
               <a:rPr lang="en-US"/>
               <a:t>Click to edit Master title style</a:t>
             </a:r>
-            <a:endParaRPr lang="en-IN"/>
-          </a:p>
-        </p:txBody>
-      </p:sp>
-      <p:sp>
-        <p:nvSpPr>
-          <p:cNvPr id="3" name="Vertical Text Placeholder 2">
-            <a:extLst>
-              <a:ext uri="{FF2B5EF4-FFF2-40B4-BE49-F238E27FC236}">
-                <a16:creationId xmlns:a16="http://schemas.microsoft.com/office/drawing/2014/main" id="{C6725D2F-8859-F2BA-02F5-736E4B73EBEF}"/>
-              </a:ext>
-            </a:extLst>
-          </p:cNvPr>
+            <a:endParaRPr lang="en-US" dirty="0"/>
+          </a:p>
+        </p:txBody>
+      </p:sp>
+      <p:sp>
+        <p:nvSpPr>
+          <p:cNvPr id="3" name="Vertical Text Placeholder 2"/>
           <p:cNvSpPr>
             <a:spLocks noGrp="1"/>
           </p:cNvSpPr>
@@ -605,19 +679,13 @@
               <a:rPr lang="en-US"/>
               <a:t>Fifth level</a:t>
             </a:r>
-            <a:endParaRPr lang="en-IN"/>
-          </a:p>
-        </p:txBody>
-      </p:sp>
-      <p:sp>
-        <p:nvSpPr>
-          <p:cNvPr id="4" name="Date Placeholder 3">
-            <a:extLst>
-              <a:ext uri="{FF2B5EF4-FFF2-40B4-BE49-F238E27FC236}">
-                <a16:creationId xmlns:a16="http://schemas.microsoft.com/office/drawing/2014/main" id="{48007CC0-83FA-93C9-F7B7-74557CB4ADE9}"/>
-              </a:ext>
-            </a:extLst>
-          </p:cNvPr>
+            <a:endParaRPr lang="en-US" dirty="0"/>
+          </a:p>
+        </p:txBody>
+      </p:sp>
+      <p:sp>
+        <p:nvSpPr>
+          <p:cNvPr id="4" name="Date Placeholder 3"/>
           <p:cNvSpPr>
             <a:spLocks noGrp="1"/>
           </p:cNvSpPr>
@@ -632,7 +700,7 @@
           <a:p>
             <a:fld id="{E43A1977-0EB2-419C-8046-0F4A66D252E0}" type="datetimeFigureOut">
               <a:rPr lang="en-US" smtClean="0"/>
-              <a:t>12/18/2022</a:t>
+              <a:t>12/25/2022</a:t>
             </a:fld>
             <a:endParaRPr lang="en-US"/>
           </a:p>
@@ -640,13 +708,7 @@
       </p:sp>
       <p:sp>
         <p:nvSpPr>
-          <p:cNvPr id="5" name="Footer Placeholder 4">
-            <a:extLst>
-              <a:ext uri="{FF2B5EF4-FFF2-40B4-BE49-F238E27FC236}">
-                <a16:creationId xmlns:a16="http://schemas.microsoft.com/office/drawing/2014/main" id="{33CFB12D-68A1-021C-A041-6156688D764C}"/>
-              </a:ext>
-            </a:extLst>
-          </p:cNvPr>
+          <p:cNvPr id="5" name="Footer Placeholder 4"/>
           <p:cNvSpPr>
             <a:spLocks noGrp="1"/>
           </p:cNvSpPr>
@@ -665,13 +727,7 @@
       </p:sp>
       <p:sp>
         <p:nvSpPr>
-          <p:cNvPr id="6" name="Slide Number Placeholder 5">
-            <a:extLst>
-              <a:ext uri="{FF2B5EF4-FFF2-40B4-BE49-F238E27FC236}">
-                <a16:creationId xmlns:a16="http://schemas.microsoft.com/office/drawing/2014/main" id="{589F709C-409E-05A2-FA36-12AE28A73323}"/>
-              </a:ext>
-            </a:extLst>
-          </p:cNvPr>
+          <p:cNvPr id="6" name="Slide Number Placeholder 5"/>
           <p:cNvSpPr>
             <a:spLocks noGrp="1"/>
           </p:cNvSpPr>
@@ -695,7 +751,7 @@
     </p:spTree>
     <p:extLst>
       <p:ext uri="{BB962C8B-B14F-4D97-AF65-F5344CB8AC3E}">
-        <p14:creationId xmlns:p14="http://schemas.microsoft.com/office/powerpoint/2010/main" val="2650872539"/>
+        <p14:creationId xmlns:p14="http://schemas.microsoft.com/office/powerpoint/2010/main" val="1389238467"/>
       </p:ext>
     </p:extLst>
   </p:cSld>
@@ -724,13 +780,7 @@
       </p:grpSpPr>
       <p:sp>
         <p:nvSpPr>
-          <p:cNvPr id="2" name="Vertical Title 1">
-            <a:extLst>
-              <a:ext uri="{FF2B5EF4-FFF2-40B4-BE49-F238E27FC236}">
-                <a16:creationId xmlns:a16="http://schemas.microsoft.com/office/drawing/2014/main" id="{6B19ED3F-37A6-35CF-CECD-848F29348715}"/>
-              </a:ext>
-            </a:extLst>
-          </p:cNvPr>
+          <p:cNvPr id="2" name="Vertical Title 1"/>
           <p:cNvSpPr>
             <a:spLocks noGrp="1"/>
           </p:cNvSpPr>
@@ -740,8 +790,8 @@
         </p:nvSpPr>
         <p:spPr>
           <a:xfrm>
-            <a:off x="8724900" y="365125"/>
-            <a:ext cx="2628900" cy="5811838"/>
+            <a:off x="8724900" y="762000"/>
+            <a:ext cx="2324100" cy="5410200"/>
           </a:xfrm>
         </p:spPr>
         <p:txBody>
@@ -752,19 +802,13 @@
               <a:rPr lang="en-US"/>
               <a:t>Click to edit Master title style</a:t>
             </a:r>
-            <a:endParaRPr lang="en-IN"/>
-          </a:p>
-        </p:txBody>
-      </p:sp>
-      <p:sp>
-        <p:nvSpPr>
-          <p:cNvPr id="3" name="Vertical Text Placeholder 2">
-            <a:extLst>
-              <a:ext uri="{FF2B5EF4-FFF2-40B4-BE49-F238E27FC236}">
-                <a16:creationId xmlns:a16="http://schemas.microsoft.com/office/drawing/2014/main" id="{3430A0D1-7AB5-3A3B-4B57-4C78E0CBE11A}"/>
-              </a:ext>
-            </a:extLst>
-          </p:cNvPr>
+            <a:endParaRPr lang="en-US" dirty="0"/>
+          </a:p>
+        </p:txBody>
+      </p:sp>
+      <p:sp>
+        <p:nvSpPr>
+          <p:cNvPr id="3" name="Vertical Text Placeholder 2"/>
           <p:cNvSpPr>
             <a:spLocks noGrp="1"/>
           </p:cNvSpPr>
@@ -774,8 +818,8 @@
         </p:nvSpPr>
         <p:spPr>
           <a:xfrm>
-            <a:off x="838200" y="365125"/>
-            <a:ext cx="7734300" cy="5811838"/>
+            <a:off x="1143000" y="762000"/>
+            <a:ext cx="7429500" cy="5410200"/>
           </a:xfrm>
         </p:spPr>
         <p:txBody>
@@ -815,19 +859,13 @@
               <a:rPr lang="en-US"/>
               <a:t>Fifth level</a:t>
             </a:r>
-            <a:endParaRPr lang="en-IN"/>
-          </a:p>
-        </p:txBody>
-      </p:sp>
-      <p:sp>
-        <p:nvSpPr>
-          <p:cNvPr id="4" name="Date Placeholder 3">
-            <a:extLst>
-              <a:ext uri="{FF2B5EF4-FFF2-40B4-BE49-F238E27FC236}">
-                <a16:creationId xmlns:a16="http://schemas.microsoft.com/office/drawing/2014/main" id="{E2A6CBAB-566A-0B38-69C1-48AF79973348}"/>
-              </a:ext>
-            </a:extLst>
-          </p:cNvPr>
+            <a:endParaRPr lang="en-US" dirty="0"/>
+          </a:p>
+        </p:txBody>
+      </p:sp>
+      <p:sp>
+        <p:nvSpPr>
+          <p:cNvPr id="4" name="Date Placeholder 3"/>
           <p:cNvSpPr>
             <a:spLocks noGrp="1"/>
           </p:cNvSpPr>
@@ -842,7 +880,7 @@
           <a:p>
             <a:fld id="{E43A1977-0EB2-419C-8046-0F4A66D252E0}" type="datetimeFigureOut">
               <a:rPr lang="en-US" smtClean="0"/>
-              <a:t>12/18/2022</a:t>
+              <a:t>12/25/2022</a:t>
             </a:fld>
             <a:endParaRPr lang="en-US"/>
           </a:p>
@@ -850,13 +888,7 @@
       </p:sp>
       <p:sp>
         <p:nvSpPr>
-          <p:cNvPr id="5" name="Footer Placeholder 4">
-            <a:extLst>
-              <a:ext uri="{FF2B5EF4-FFF2-40B4-BE49-F238E27FC236}">
-                <a16:creationId xmlns:a16="http://schemas.microsoft.com/office/drawing/2014/main" id="{7921C372-1C9F-C530-5B42-CD39AB33B008}"/>
-              </a:ext>
-            </a:extLst>
-          </p:cNvPr>
+          <p:cNvPr id="5" name="Footer Placeholder 4"/>
           <p:cNvSpPr>
             <a:spLocks noGrp="1"/>
           </p:cNvSpPr>
@@ -875,13 +907,7 @@
       </p:sp>
       <p:sp>
         <p:nvSpPr>
-          <p:cNvPr id="6" name="Slide Number Placeholder 5">
-            <a:extLst>
-              <a:ext uri="{FF2B5EF4-FFF2-40B4-BE49-F238E27FC236}">
-                <a16:creationId xmlns:a16="http://schemas.microsoft.com/office/drawing/2014/main" id="{61E43EA3-C1BF-88BA-5C2F-C24E5ED0FD9D}"/>
-              </a:ext>
-            </a:extLst>
-          </p:cNvPr>
+          <p:cNvPr id="6" name="Slide Number Placeholder 5"/>
           <p:cNvSpPr>
             <a:spLocks noGrp="1"/>
           </p:cNvSpPr>
@@ -905,7 +931,7 @@
     </p:spTree>
     <p:extLst>
       <p:ext uri="{BB962C8B-B14F-4D97-AF65-F5344CB8AC3E}">
-        <p14:creationId xmlns:p14="http://schemas.microsoft.com/office/powerpoint/2010/main" val="3605827162"/>
+        <p14:creationId xmlns:p14="http://schemas.microsoft.com/office/powerpoint/2010/main" val="1819441947"/>
       </p:ext>
     </p:extLst>
   </p:cSld>
@@ -1029,7 +1055,7 @@
           <a:p>
             <a:fld id="{E43A1977-0EB2-419C-8046-0F4A66D252E0}" type="datetimeFigureOut">
               <a:rPr lang="en-US" smtClean="0"/>
-              <a:t>12/18/2022</a:t>
+              <a:t>12/25/2022</a:t>
             </a:fld>
             <a:endParaRPr lang="en-US"/>
           </a:p>
@@ -1080,7 +1106,7 @@
     </p:spTree>
     <p:extLst>
       <p:ext uri="{BB962C8B-B14F-4D97-AF65-F5344CB8AC3E}">
-        <p14:creationId xmlns:p14="http://schemas.microsoft.com/office/powerpoint/2010/main" val="3423846160"/>
+        <p14:creationId xmlns:p14="http://schemas.microsoft.com/office/powerpoint/2010/main" val="1735363689"/>
       </p:ext>
     </p:extLst>
   </p:cSld>
@@ -1109,13 +1135,7 @@
       </p:grpSpPr>
       <p:sp>
         <p:nvSpPr>
-          <p:cNvPr id="2" name="Title 1">
-            <a:extLst>
-              <a:ext uri="{FF2B5EF4-FFF2-40B4-BE49-F238E27FC236}">
-                <a16:creationId xmlns:a16="http://schemas.microsoft.com/office/drawing/2014/main" id="{B200EEE3-B99C-B5EE-5CF8-C9FF7C87FEAD}"/>
-              </a:ext>
-            </a:extLst>
-          </p:cNvPr>
+          <p:cNvPr id="2" name="Title 1"/>
           <p:cNvSpPr>
             <a:spLocks noGrp="1"/>
           </p:cNvSpPr>
@@ -1132,19 +1152,13 @@
               <a:rPr lang="en-US"/>
               <a:t>Click to edit Master title style</a:t>
             </a:r>
-            <a:endParaRPr lang="en-IN"/>
-          </a:p>
-        </p:txBody>
-      </p:sp>
-      <p:sp>
-        <p:nvSpPr>
-          <p:cNvPr id="3" name="Content Placeholder 2">
-            <a:extLst>
-              <a:ext uri="{FF2B5EF4-FFF2-40B4-BE49-F238E27FC236}">
-                <a16:creationId xmlns:a16="http://schemas.microsoft.com/office/drawing/2014/main" id="{71332C17-8898-CA29-50CF-72E93172395A}"/>
-              </a:ext>
-            </a:extLst>
-          </p:cNvPr>
+            <a:endParaRPr lang="en-US" dirty="0"/>
+          </a:p>
+        </p:txBody>
+      </p:sp>
+      <p:sp>
+        <p:nvSpPr>
+          <p:cNvPr id="3" name="Content Placeholder 2"/>
           <p:cNvSpPr>
             <a:spLocks noGrp="1"/>
           </p:cNvSpPr>
@@ -1190,19 +1204,13 @@
               <a:rPr lang="en-US"/>
               <a:t>Fifth level</a:t>
             </a:r>
-            <a:endParaRPr lang="en-IN"/>
-          </a:p>
-        </p:txBody>
-      </p:sp>
-      <p:sp>
-        <p:nvSpPr>
-          <p:cNvPr id="4" name="Date Placeholder 3">
-            <a:extLst>
-              <a:ext uri="{FF2B5EF4-FFF2-40B4-BE49-F238E27FC236}">
-                <a16:creationId xmlns:a16="http://schemas.microsoft.com/office/drawing/2014/main" id="{3DDC981E-73FC-033A-2CA7-55E7C1A92D68}"/>
-              </a:ext>
-            </a:extLst>
-          </p:cNvPr>
+            <a:endParaRPr lang="en-US" dirty="0"/>
+          </a:p>
+        </p:txBody>
+      </p:sp>
+      <p:sp>
+        <p:nvSpPr>
+          <p:cNvPr id="4" name="Date Placeholder 3"/>
           <p:cNvSpPr>
             <a:spLocks noGrp="1"/>
           </p:cNvSpPr>
@@ -1217,7 +1225,7 @@
           <a:p>
             <a:fld id="{E43A1977-0EB2-419C-8046-0F4A66D252E0}" type="datetimeFigureOut">
               <a:rPr lang="en-US" smtClean="0"/>
-              <a:t>12/18/2022</a:t>
+              <a:t>12/25/2022</a:t>
             </a:fld>
             <a:endParaRPr lang="en-US"/>
           </a:p>
@@ -1225,13 +1233,7 @@
       </p:sp>
       <p:sp>
         <p:nvSpPr>
-          <p:cNvPr id="5" name="Footer Placeholder 4">
-            <a:extLst>
-              <a:ext uri="{FF2B5EF4-FFF2-40B4-BE49-F238E27FC236}">
-                <a16:creationId xmlns:a16="http://schemas.microsoft.com/office/drawing/2014/main" id="{16429706-F55A-253A-F502-583D967787C1}"/>
-              </a:ext>
-            </a:extLst>
-          </p:cNvPr>
+          <p:cNvPr id="5" name="Footer Placeholder 4"/>
           <p:cNvSpPr>
             <a:spLocks noGrp="1"/>
           </p:cNvSpPr>
@@ -1250,13 +1252,7 @@
       </p:sp>
       <p:sp>
         <p:nvSpPr>
-          <p:cNvPr id="6" name="Slide Number Placeholder 5">
-            <a:extLst>
-              <a:ext uri="{FF2B5EF4-FFF2-40B4-BE49-F238E27FC236}">
-                <a16:creationId xmlns:a16="http://schemas.microsoft.com/office/drawing/2014/main" id="{DF5E8725-A00D-5E89-E02D-10816C19206E}"/>
-              </a:ext>
-            </a:extLst>
-          </p:cNvPr>
+          <p:cNvPr id="6" name="Slide Number Placeholder 5"/>
           <p:cNvSpPr>
             <a:spLocks noGrp="1"/>
           </p:cNvSpPr>
@@ -1280,7 +1276,7 @@
     </p:spTree>
     <p:extLst>
       <p:ext uri="{BB962C8B-B14F-4D97-AF65-F5344CB8AC3E}">
-        <p14:creationId xmlns:p14="http://schemas.microsoft.com/office/powerpoint/2010/main" val="2840815173"/>
+        <p14:creationId xmlns:p14="http://schemas.microsoft.com/office/powerpoint/2010/main" val="3807079000"/>
       </p:ext>
     </p:extLst>
   </p:cSld>
@@ -1309,13 +1305,7 @@
       </p:grpSpPr>
       <p:sp>
         <p:nvSpPr>
-          <p:cNvPr id="2" name="Title 1">
-            <a:extLst>
-              <a:ext uri="{FF2B5EF4-FFF2-40B4-BE49-F238E27FC236}">
-                <a16:creationId xmlns:a16="http://schemas.microsoft.com/office/drawing/2014/main" id="{C0810227-E9F6-4C7B-81EB-73716D25283D}"/>
-              </a:ext>
-            </a:extLst>
-          </p:cNvPr>
+          <p:cNvPr id="2" name="Title 1"/>
           <p:cNvSpPr>
             <a:spLocks noGrp="1"/>
           </p:cNvSpPr>
@@ -1325,15 +1315,20 @@
         </p:nvSpPr>
         <p:spPr>
           <a:xfrm>
-            <a:off x="831850" y="1709738"/>
-            <a:ext cx="10515600" cy="2852737"/>
+            <a:off x="1106424" y="1173575"/>
+            <a:ext cx="9966960" cy="2926080"/>
           </a:xfrm>
         </p:spPr>
         <p:txBody>
-          <a:bodyPr anchor="b"/>
+          <a:bodyPr anchor="b">
+            <a:noAutofit/>
+          </a:bodyPr>
           <a:lstStyle>
-            <a:lvl1pPr>
-              <a:defRPr sz="6000"/>
+            <a:lvl1pPr algn="ctr">
+              <a:lnSpc>
+                <a:spcPct val="85000"/>
+              </a:lnSpc>
+              <a:defRPr sz="7200" b="0" cap="all" baseline="0"/>
             </a:lvl1pPr>
           </a:lstStyle>
           <a:p>
@@ -1341,19 +1336,13 @@
               <a:rPr lang="en-US"/>
               <a:t>Click to edit Master title style</a:t>
             </a:r>
-            <a:endParaRPr lang="en-IN"/>
-          </a:p>
-        </p:txBody>
-      </p:sp>
-      <p:sp>
-        <p:nvSpPr>
-          <p:cNvPr id="3" name="Text Placeholder 2">
-            <a:extLst>
-              <a:ext uri="{FF2B5EF4-FFF2-40B4-BE49-F238E27FC236}">
-                <a16:creationId xmlns:a16="http://schemas.microsoft.com/office/drawing/2014/main" id="{4F836635-3C2C-7E01-5EA1-23A448A47367}"/>
-              </a:ext>
-            </a:extLst>
-          </p:cNvPr>
+            <a:endParaRPr lang="en-US" dirty="0"/>
+          </a:p>
+        </p:txBody>
+      </p:sp>
+      <p:sp>
+        <p:nvSpPr>
+          <p:cNvPr id="3" name="Text Placeholder 2"/>
           <p:cNvSpPr>
             <a:spLocks noGrp="1"/>
           </p:cNvSpPr>
@@ -1363,26 +1352,26 @@
         </p:nvSpPr>
         <p:spPr>
           <a:xfrm>
-            <a:off x="831850" y="4589463"/>
-            <a:ext cx="10515600" cy="1500187"/>
+            <a:off x="1709928" y="4154520"/>
+            <a:ext cx="8769096" cy="1363806"/>
           </a:xfrm>
         </p:spPr>
         <p:txBody>
-          <a:bodyPr/>
+          <a:bodyPr anchor="t">
+            <a:normAutofit/>
+          </a:bodyPr>
           <a:lstStyle>
-            <a:lvl1pPr marL="0" indent="0">
-              <a:buNone/>
-              <a:defRPr sz="2400">
+            <a:lvl1pPr marL="0" indent="0" algn="ctr">
+              <a:buNone/>
+              <a:defRPr sz="2200">
                 <a:solidFill>
-                  <a:schemeClr val="tx1">
-                    <a:tint val="75000"/>
-                  </a:schemeClr>
+                  <a:schemeClr val="accent1"/>
                 </a:solidFill>
               </a:defRPr>
             </a:lvl1pPr>
             <a:lvl2pPr marL="457200" indent="0">
               <a:buNone/>
-              <a:defRPr sz="2000">
+              <a:defRPr sz="1800">
                 <a:solidFill>
                   <a:schemeClr val="tx1">
                     <a:tint val="75000"/>
@@ -1392,7 +1381,7 @@
             </a:lvl2pPr>
             <a:lvl3pPr marL="914400" indent="0">
               <a:buNone/>
-              <a:defRPr sz="1800">
+              <a:defRPr sz="1600">
                 <a:solidFill>
                   <a:schemeClr val="tx1">
                     <a:tint val="75000"/>
@@ -1402,7 +1391,7 @@
             </a:lvl3pPr>
             <a:lvl4pPr marL="1371600" indent="0">
               <a:buNone/>
-              <a:defRPr sz="1600">
+              <a:defRPr sz="1400">
                 <a:solidFill>
                   <a:schemeClr val="tx1">
                     <a:tint val="75000"/>
@@ -1412,7 +1401,7 @@
             </a:lvl4pPr>
             <a:lvl5pPr marL="1828800" indent="0">
               <a:buNone/>
-              <a:defRPr sz="1600">
+              <a:defRPr sz="1400">
                 <a:solidFill>
                   <a:schemeClr val="tx1">
                     <a:tint val="75000"/>
@@ -1422,7 +1411,7 @@
             </a:lvl5pPr>
             <a:lvl6pPr marL="2286000" indent="0">
               <a:buNone/>
-              <a:defRPr sz="1600">
+              <a:defRPr sz="1400">
                 <a:solidFill>
                   <a:schemeClr val="tx1">
                     <a:tint val="75000"/>
@@ -1432,7 +1421,7 @@
             </a:lvl6pPr>
             <a:lvl7pPr marL="2743200" indent="0">
               <a:buNone/>
-              <a:defRPr sz="1600">
+              <a:defRPr sz="1400">
                 <a:solidFill>
                   <a:schemeClr val="tx1">
                     <a:tint val="75000"/>
@@ -1442,7 +1431,7 @@
             </a:lvl7pPr>
             <a:lvl8pPr marL="3200400" indent="0">
               <a:buNone/>
-              <a:defRPr sz="1600">
+              <a:defRPr sz="1400">
                 <a:solidFill>
                   <a:schemeClr val="tx1">
                     <a:tint val="75000"/>
@@ -1452,7 +1441,7 @@
             </a:lvl8pPr>
             <a:lvl9pPr marL="3657600" indent="0">
               <a:buNone/>
-              <a:defRPr sz="1600">
+              <a:defRPr sz="1400">
                 <a:solidFill>
                   <a:schemeClr val="tx1">
                     <a:tint val="75000"/>
@@ -1472,13 +1461,7 @@
       </p:sp>
       <p:sp>
         <p:nvSpPr>
-          <p:cNvPr id="4" name="Date Placeholder 3">
-            <a:extLst>
-              <a:ext uri="{FF2B5EF4-FFF2-40B4-BE49-F238E27FC236}">
-                <a16:creationId xmlns:a16="http://schemas.microsoft.com/office/drawing/2014/main" id="{DA67E398-3BA3-A9D6-09F3-ECC996DB08A8}"/>
-              </a:ext>
-            </a:extLst>
-          </p:cNvPr>
+          <p:cNvPr id="4" name="Date Placeholder 3"/>
           <p:cNvSpPr>
             <a:spLocks noGrp="1"/>
           </p:cNvSpPr>
@@ -1493,7 +1476,7 @@
           <a:p>
             <a:fld id="{E43A1977-0EB2-419C-8046-0F4A66D252E0}" type="datetimeFigureOut">
               <a:rPr lang="en-US" smtClean="0"/>
-              <a:t>12/18/2022</a:t>
+              <a:t>12/25/2022</a:t>
             </a:fld>
             <a:endParaRPr lang="en-US"/>
           </a:p>
@@ -1501,13 +1484,7 @@
       </p:sp>
       <p:sp>
         <p:nvSpPr>
-          <p:cNvPr id="5" name="Footer Placeholder 4">
-            <a:extLst>
-              <a:ext uri="{FF2B5EF4-FFF2-40B4-BE49-F238E27FC236}">
-                <a16:creationId xmlns:a16="http://schemas.microsoft.com/office/drawing/2014/main" id="{78F29A57-3D30-6026-9CD4-164879CB5782}"/>
-              </a:ext>
-            </a:extLst>
-          </p:cNvPr>
+          <p:cNvPr id="5" name="Footer Placeholder 4"/>
           <p:cNvSpPr>
             <a:spLocks noGrp="1"/>
           </p:cNvSpPr>
@@ -1526,13 +1503,7 @@
       </p:sp>
       <p:sp>
         <p:nvSpPr>
-          <p:cNvPr id="6" name="Slide Number Placeholder 5">
-            <a:extLst>
-              <a:ext uri="{FF2B5EF4-FFF2-40B4-BE49-F238E27FC236}">
-                <a16:creationId xmlns:a16="http://schemas.microsoft.com/office/drawing/2014/main" id="{5DA252BB-5BB3-243A-24E1-6DC23543AD29}"/>
-              </a:ext>
-            </a:extLst>
-          </p:cNvPr>
+          <p:cNvPr id="6" name="Slide Number Placeholder 5"/>
           <p:cNvSpPr>
             <a:spLocks noGrp="1"/>
           </p:cNvSpPr>
@@ -1553,10 +1524,45 @@
           </a:p>
         </p:txBody>
       </p:sp>
+      <p:cxnSp>
+        <p:nvCxnSpPr>
+          <p:cNvPr id="7" name="Straight Connector 6"/>
+          <p:cNvCxnSpPr/>
+          <p:nvPr/>
+        </p:nvCxnSpPr>
+        <p:spPr>
+          <a:xfrm>
+            <a:off x="1981200" y="4020408"/>
+            <a:ext cx="8229601" cy="0"/>
+          </a:xfrm>
+          <a:prstGeom prst="line">
+            <a:avLst/>
+          </a:prstGeom>
+          <a:ln>
+            <a:solidFill>
+              <a:schemeClr val="accent1"/>
+            </a:solidFill>
+          </a:ln>
+        </p:spPr>
+        <p:style>
+          <a:lnRef idx="1">
+            <a:schemeClr val="accent1"/>
+          </a:lnRef>
+          <a:fillRef idx="0">
+            <a:schemeClr val="accent1"/>
+          </a:fillRef>
+          <a:effectRef idx="0">
+            <a:schemeClr val="accent1"/>
+          </a:effectRef>
+          <a:fontRef idx="minor">
+            <a:schemeClr val="tx1"/>
+          </a:fontRef>
+        </p:style>
+      </p:cxnSp>
     </p:spTree>
     <p:extLst>
       <p:ext uri="{BB962C8B-B14F-4D97-AF65-F5344CB8AC3E}">
-        <p14:creationId xmlns:p14="http://schemas.microsoft.com/office/powerpoint/2010/main" val="1447438992"/>
+        <p14:creationId xmlns:p14="http://schemas.microsoft.com/office/powerpoint/2010/main" val="2317531931"/>
       </p:ext>
     </p:extLst>
   </p:cSld>
@@ -1585,13 +1591,7 @@
       </p:grpSpPr>
       <p:sp>
         <p:nvSpPr>
-          <p:cNvPr id="2" name="Title 1">
-            <a:extLst>
-              <a:ext uri="{FF2B5EF4-FFF2-40B4-BE49-F238E27FC236}">
-                <a16:creationId xmlns:a16="http://schemas.microsoft.com/office/drawing/2014/main" id="{B4500001-D56C-AD70-4208-6BD9ABC91605}"/>
-              </a:ext>
-            </a:extLst>
-          </p:cNvPr>
+          <p:cNvPr id="8" name="Title 7"/>
           <p:cNvSpPr>
             <a:spLocks noGrp="1"/>
           </p:cNvSpPr>
@@ -1608,19 +1608,13 @@
               <a:rPr lang="en-US"/>
               <a:t>Click to edit Master title style</a:t>
             </a:r>
-            <a:endParaRPr lang="en-IN"/>
-          </a:p>
-        </p:txBody>
-      </p:sp>
-      <p:sp>
-        <p:nvSpPr>
-          <p:cNvPr id="3" name="Content Placeholder 2">
-            <a:extLst>
-              <a:ext uri="{FF2B5EF4-FFF2-40B4-BE49-F238E27FC236}">
-                <a16:creationId xmlns:a16="http://schemas.microsoft.com/office/drawing/2014/main" id="{2915DA11-9DB5-CC6C-0155-BE661DBE48D2}"/>
-              </a:ext>
-            </a:extLst>
-          </p:cNvPr>
+            <a:endParaRPr lang="en-US" dirty="0"/>
+          </a:p>
+        </p:txBody>
+      </p:sp>
+      <p:sp>
+        <p:nvSpPr>
+          <p:cNvPr id="3" name="Content Placeholder 2"/>
           <p:cNvSpPr>
             <a:spLocks noGrp="1"/>
           </p:cNvSpPr>
@@ -1630,13 +1624,41 @@
         </p:nvSpPr>
         <p:spPr>
           <a:xfrm>
-            <a:off x="838200" y="1825625"/>
-            <a:ext cx="5181600" cy="4351338"/>
+            <a:off x="1143000" y="2057399"/>
+            <a:ext cx="4754880" cy="4023360"/>
           </a:xfrm>
         </p:spPr>
         <p:txBody>
           <a:bodyPr/>
-          <a:lstStyle/>
+          <a:lstStyle>
+            <a:lvl1pPr>
+              <a:defRPr sz="2200"/>
+            </a:lvl1pPr>
+            <a:lvl2pPr>
+              <a:defRPr sz="2000"/>
+            </a:lvl2pPr>
+            <a:lvl3pPr>
+              <a:defRPr sz="1800"/>
+            </a:lvl3pPr>
+            <a:lvl4pPr>
+              <a:defRPr sz="1600"/>
+            </a:lvl4pPr>
+            <a:lvl5pPr>
+              <a:defRPr sz="1600"/>
+            </a:lvl5pPr>
+            <a:lvl6pPr>
+              <a:defRPr sz="1600"/>
+            </a:lvl6pPr>
+            <a:lvl7pPr>
+              <a:defRPr sz="1600"/>
+            </a:lvl7pPr>
+            <a:lvl8pPr>
+              <a:defRPr sz="1600"/>
+            </a:lvl8pPr>
+            <a:lvl9pPr>
+              <a:defRPr sz="1600"/>
+            </a:lvl9pPr>
+          </a:lstStyle>
           <a:p>
             <a:pPr lvl="0"/>
             <a:r>
@@ -1671,19 +1693,13 @@
               <a:rPr lang="en-US"/>
               <a:t>Fifth level</a:t>
             </a:r>
-            <a:endParaRPr lang="en-IN"/>
-          </a:p>
-        </p:txBody>
-      </p:sp>
-      <p:sp>
-        <p:nvSpPr>
-          <p:cNvPr id="4" name="Content Placeholder 3">
-            <a:extLst>
-              <a:ext uri="{FF2B5EF4-FFF2-40B4-BE49-F238E27FC236}">
-                <a16:creationId xmlns:a16="http://schemas.microsoft.com/office/drawing/2014/main" id="{0261EFA6-EEB2-5D4F-D3D9-7519C1993483}"/>
-              </a:ext>
-            </a:extLst>
-          </p:cNvPr>
+            <a:endParaRPr lang="en-US" dirty="0"/>
+          </a:p>
+        </p:txBody>
+      </p:sp>
+      <p:sp>
+        <p:nvSpPr>
+          <p:cNvPr id="4" name="Content Placeholder 3"/>
           <p:cNvSpPr>
             <a:spLocks noGrp="1"/>
           </p:cNvSpPr>
@@ -1693,13 +1709,41 @@
         </p:nvSpPr>
         <p:spPr>
           <a:xfrm>
-            <a:off x="6172200" y="1825625"/>
-            <a:ext cx="5181600" cy="4351338"/>
+            <a:off x="6267612" y="2057400"/>
+            <a:ext cx="4754880" cy="4023360"/>
           </a:xfrm>
         </p:spPr>
         <p:txBody>
           <a:bodyPr/>
-          <a:lstStyle/>
+          <a:lstStyle>
+            <a:lvl1pPr>
+              <a:defRPr sz="2200"/>
+            </a:lvl1pPr>
+            <a:lvl2pPr>
+              <a:defRPr sz="2000"/>
+            </a:lvl2pPr>
+            <a:lvl3pPr>
+              <a:defRPr sz="1800"/>
+            </a:lvl3pPr>
+            <a:lvl4pPr>
+              <a:defRPr sz="1600"/>
+            </a:lvl4pPr>
+            <a:lvl5pPr>
+              <a:defRPr sz="1600"/>
+            </a:lvl5pPr>
+            <a:lvl6pPr>
+              <a:defRPr sz="1600"/>
+            </a:lvl6pPr>
+            <a:lvl7pPr>
+              <a:defRPr sz="1600"/>
+            </a:lvl7pPr>
+            <a:lvl8pPr>
+              <a:defRPr sz="1600"/>
+            </a:lvl8pPr>
+            <a:lvl9pPr>
+              <a:defRPr sz="1600"/>
+            </a:lvl9pPr>
+          </a:lstStyle>
           <a:p>
             <a:pPr lvl="0"/>
             <a:r>
@@ -1734,19 +1778,13 @@
               <a:rPr lang="en-US"/>
               <a:t>Fifth level</a:t>
             </a:r>
-            <a:endParaRPr lang="en-IN"/>
-          </a:p>
-        </p:txBody>
-      </p:sp>
-      <p:sp>
-        <p:nvSpPr>
-          <p:cNvPr id="5" name="Date Placeholder 4">
-            <a:extLst>
-              <a:ext uri="{FF2B5EF4-FFF2-40B4-BE49-F238E27FC236}">
-                <a16:creationId xmlns:a16="http://schemas.microsoft.com/office/drawing/2014/main" id="{CF51E19A-F5FB-9067-12D8-693D1049438B}"/>
-              </a:ext>
-            </a:extLst>
-          </p:cNvPr>
+            <a:endParaRPr lang="en-US" dirty="0"/>
+          </a:p>
+        </p:txBody>
+      </p:sp>
+      <p:sp>
+        <p:nvSpPr>
+          <p:cNvPr id="5" name="Date Placeholder 4"/>
           <p:cNvSpPr>
             <a:spLocks noGrp="1"/>
           </p:cNvSpPr>
@@ -1761,7 +1799,7 @@
           <a:p>
             <a:fld id="{E43A1977-0EB2-419C-8046-0F4A66D252E0}" type="datetimeFigureOut">
               <a:rPr lang="en-US" smtClean="0"/>
-              <a:t>12/18/2022</a:t>
+              <a:t>12/25/2022</a:t>
             </a:fld>
             <a:endParaRPr lang="en-US"/>
           </a:p>
@@ -1769,13 +1807,7 @@
       </p:sp>
       <p:sp>
         <p:nvSpPr>
-          <p:cNvPr id="6" name="Footer Placeholder 5">
-            <a:extLst>
-              <a:ext uri="{FF2B5EF4-FFF2-40B4-BE49-F238E27FC236}">
-                <a16:creationId xmlns:a16="http://schemas.microsoft.com/office/drawing/2014/main" id="{52AA1415-07EB-D2DD-99BD-A642935E2CE9}"/>
-              </a:ext>
-            </a:extLst>
-          </p:cNvPr>
+          <p:cNvPr id="6" name="Footer Placeholder 5"/>
           <p:cNvSpPr>
             <a:spLocks noGrp="1"/>
           </p:cNvSpPr>
@@ -1794,13 +1826,7 @@
       </p:sp>
       <p:sp>
         <p:nvSpPr>
-          <p:cNvPr id="7" name="Slide Number Placeholder 6">
-            <a:extLst>
-              <a:ext uri="{FF2B5EF4-FFF2-40B4-BE49-F238E27FC236}">
-                <a16:creationId xmlns:a16="http://schemas.microsoft.com/office/drawing/2014/main" id="{31021959-E3D5-CFED-1442-26088545421B}"/>
-              </a:ext>
-            </a:extLst>
-          </p:cNvPr>
+          <p:cNvPr id="7" name="Slide Number Placeholder 6"/>
           <p:cNvSpPr>
             <a:spLocks noGrp="1"/>
           </p:cNvSpPr>
@@ -1824,7 +1850,7 @@
     </p:spTree>
     <p:extLst>
       <p:ext uri="{BB962C8B-B14F-4D97-AF65-F5344CB8AC3E}">
-        <p14:creationId xmlns:p14="http://schemas.microsoft.com/office/powerpoint/2010/main" val="1876298241"/>
+        <p14:creationId xmlns:p14="http://schemas.microsoft.com/office/powerpoint/2010/main" val="1245244746"/>
       </p:ext>
     </p:extLst>
   </p:cSld>
@@ -1853,64 +1879,50 @@
       </p:grpSpPr>
       <p:sp>
         <p:nvSpPr>
-          <p:cNvPr id="2" name="Title 1">
-            <a:extLst>
-              <a:ext uri="{FF2B5EF4-FFF2-40B4-BE49-F238E27FC236}">
-                <a16:creationId xmlns:a16="http://schemas.microsoft.com/office/drawing/2014/main" id="{B6144A37-3675-871B-AC25-41026D712A47}"/>
-              </a:ext>
-            </a:extLst>
-          </p:cNvPr>
+          <p:cNvPr id="10" name="Title 9"/>
           <p:cNvSpPr>
             <a:spLocks noGrp="1"/>
           </p:cNvSpPr>
           <p:nvPr>
             <p:ph type="title"/>
+          </p:nvPr>
+        </p:nvSpPr>
+        <p:spPr/>
+        <p:txBody>
+          <a:bodyPr/>
+          <a:lstStyle/>
+          <a:p>
+            <a:r>
+              <a:rPr lang="en-US"/>
+              <a:t>Click to edit Master title style</a:t>
+            </a:r>
+            <a:endParaRPr lang="en-US" dirty="0"/>
+          </a:p>
+        </p:txBody>
+      </p:sp>
+      <p:sp>
+        <p:nvSpPr>
+          <p:cNvPr id="3" name="Text Placeholder 2"/>
+          <p:cNvSpPr>
+            <a:spLocks noGrp="1"/>
+          </p:cNvSpPr>
+          <p:nvPr>
+            <p:ph type="body" idx="1"/>
           </p:nvPr>
         </p:nvSpPr>
         <p:spPr>
           <a:xfrm>
-            <a:off x="839788" y="365125"/>
-            <a:ext cx="10515600" cy="1325563"/>
+            <a:off x="1143000" y="2001511"/>
+            <a:ext cx="4754880" cy="777240"/>
           </a:xfrm>
         </p:spPr>
         <p:txBody>
-          <a:bodyPr/>
-          <a:lstStyle/>
-          <a:p>
-            <a:r>
-              <a:rPr lang="en-US"/>
-              <a:t>Click to edit Master title style</a:t>
-            </a:r>
-            <a:endParaRPr lang="en-IN"/>
-          </a:p>
-        </p:txBody>
-      </p:sp>
-      <p:sp>
-        <p:nvSpPr>
-          <p:cNvPr id="3" name="Text Placeholder 2">
-            <a:extLst>
-              <a:ext uri="{FF2B5EF4-FFF2-40B4-BE49-F238E27FC236}">
-                <a16:creationId xmlns:a16="http://schemas.microsoft.com/office/drawing/2014/main" id="{981015DB-BA48-B470-720D-37F126FB247E}"/>
-              </a:ext>
-            </a:extLst>
-          </p:cNvPr>
-          <p:cNvSpPr>
-            <a:spLocks noGrp="1"/>
-          </p:cNvSpPr>
-          <p:nvPr>
-            <p:ph type="body" idx="1"/>
-          </p:nvPr>
-        </p:nvSpPr>
-        <p:spPr>
-          <a:xfrm>
-            <a:off x="839788" y="1681163"/>
-            <a:ext cx="5157787" cy="823912"/>
-          </a:xfrm>
-        </p:spPr>
-        <p:txBody>
-          <a:bodyPr anchor="b"/>
+          <a:bodyPr anchor="ctr"/>
           <a:lstStyle>
             <a:lvl1pPr marL="0" indent="0">
+              <a:spcBef>
+                <a:spcPts val="0"/>
+              </a:spcBef>
               <a:buNone/>
               <a:defRPr sz="2400" b="1"/>
             </a:lvl1pPr>
@@ -1958,13 +1970,7 @@
       </p:sp>
       <p:sp>
         <p:nvSpPr>
-          <p:cNvPr id="4" name="Content Placeholder 3">
-            <a:extLst>
-              <a:ext uri="{FF2B5EF4-FFF2-40B4-BE49-F238E27FC236}">
-                <a16:creationId xmlns:a16="http://schemas.microsoft.com/office/drawing/2014/main" id="{9D16D9CA-BC47-91D5-E395-308E4C7F0A23}"/>
-              </a:ext>
-            </a:extLst>
-          </p:cNvPr>
+          <p:cNvPr id="4" name="Content Placeholder 3"/>
           <p:cNvSpPr>
             <a:spLocks noGrp="1"/>
           </p:cNvSpPr>
@@ -1974,13 +1980,41 @@
         </p:nvSpPr>
         <p:spPr>
           <a:xfrm>
-            <a:off x="839788" y="2505075"/>
-            <a:ext cx="5157787" cy="3684588"/>
+            <a:off x="1143000" y="2721483"/>
+            <a:ext cx="4754880" cy="3383280"/>
           </a:xfrm>
         </p:spPr>
         <p:txBody>
           <a:bodyPr/>
-          <a:lstStyle/>
+          <a:lstStyle>
+            <a:lvl1pPr>
+              <a:defRPr sz="2200"/>
+            </a:lvl1pPr>
+            <a:lvl2pPr>
+              <a:defRPr sz="2000"/>
+            </a:lvl2pPr>
+            <a:lvl3pPr>
+              <a:defRPr sz="1800"/>
+            </a:lvl3pPr>
+            <a:lvl4pPr>
+              <a:defRPr sz="1600"/>
+            </a:lvl4pPr>
+            <a:lvl5pPr>
+              <a:defRPr sz="1600"/>
+            </a:lvl5pPr>
+            <a:lvl6pPr>
+              <a:defRPr sz="1600"/>
+            </a:lvl6pPr>
+            <a:lvl7pPr>
+              <a:defRPr sz="1600"/>
+            </a:lvl7pPr>
+            <a:lvl8pPr>
+              <a:defRPr sz="1600"/>
+            </a:lvl8pPr>
+            <a:lvl9pPr>
+              <a:defRPr sz="1600"/>
+            </a:lvl9pPr>
+          </a:lstStyle>
           <a:p>
             <a:pPr lvl="0"/>
             <a:r>
@@ -2015,19 +2049,13 @@
               <a:rPr lang="en-US"/>
               <a:t>Fifth level</a:t>
             </a:r>
-            <a:endParaRPr lang="en-IN"/>
-          </a:p>
-        </p:txBody>
-      </p:sp>
-      <p:sp>
-        <p:nvSpPr>
-          <p:cNvPr id="5" name="Text Placeholder 4">
-            <a:extLst>
-              <a:ext uri="{FF2B5EF4-FFF2-40B4-BE49-F238E27FC236}">
-                <a16:creationId xmlns:a16="http://schemas.microsoft.com/office/drawing/2014/main" id="{2870C885-3B4F-0E5A-8427-4CF06A19430A}"/>
-              </a:ext>
-            </a:extLst>
-          </p:cNvPr>
+            <a:endParaRPr lang="en-US" dirty="0"/>
+          </a:p>
+        </p:txBody>
+      </p:sp>
+      <p:sp>
+        <p:nvSpPr>
+          <p:cNvPr id="5" name="Text Placeholder 4"/>
           <p:cNvSpPr>
             <a:spLocks noGrp="1"/>
           </p:cNvSpPr>
@@ -2037,14 +2065,17 @@
         </p:nvSpPr>
         <p:spPr>
           <a:xfrm>
-            <a:off x="6172200" y="1681163"/>
-            <a:ext cx="5183188" cy="823912"/>
+            <a:off x="6269173" y="1999032"/>
+            <a:ext cx="4754880" cy="777240"/>
           </a:xfrm>
         </p:spPr>
         <p:txBody>
-          <a:bodyPr anchor="b"/>
+          <a:bodyPr anchor="ctr"/>
           <a:lstStyle>
             <a:lvl1pPr marL="0" indent="0">
+              <a:spcBef>
+                <a:spcPts val="0"/>
+              </a:spcBef>
               <a:buNone/>
               <a:defRPr sz="2400" b="1"/>
             </a:lvl1pPr>
@@ -2092,13 +2123,7 @@
       </p:sp>
       <p:sp>
         <p:nvSpPr>
-          <p:cNvPr id="6" name="Content Placeholder 5">
-            <a:extLst>
-              <a:ext uri="{FF2B5EF4-FFF2-40B4-BE49-F238E27FC236}">
-                <a16:creationId xmlns:a16="http://schemas.microsoft.com/office/drawing/2014/main" id="{C3D1A1F6-0549-1D4E-C83A-6C59D71EB8D8}"/>
-              </a:ext>
-            </a:extLst>
-          </p:cNvPr>
+          <p:cNvPr id="6" name="Content Placeholder 5"/>
           <p:cNvSpPr>
             <a:spLocks noGrp="1"/>
           </p:cNvSpPr>
@@ -2108,13 +2133,41 @@
         </p:nvSpPr>
         <p:spPr>
           <a:xfrm>
-            <a:off x="6172200" y="2505075"/>
-            <a:ext cx="5183188" cy="3684588"/>
+            <a:off x="6269173" y="2719322"/>
+            <a:ext cx="4754880" cy="3383280"/>
           </a:xfrm>
         </p:spPr>
         <p:txBody>
           <a:bodyPr/>
-          <a:lstStyle/>
+          <a:lstStyle>
+            <a:lvl1pPr>
+              <a:defRPr sz="2200"/>
+            </a:lvl1pPr>
+            <a:lvl2pPr>
+              <a:defRPr sz="2000"/>
+            </a:lvl2pPr>
+            <a:lvl3pPr>
+              <a:defRPr sz="1800"/>
+            </a:lvl3pPr>
+            <a:lvl4pPr>
+              <a:defRPr sz="1600"/>
+            </a:lvl4pPr>
+            <a:lvl5pPr>
+              <a:defRPr sz="1600"/>
+            </a:lvl5pPr>
+            <a:lvl6pPr>
+              <a:defRPr sz="1600"/>
+            </a:lvl6pPr>
+            <a:lvl7pPr>
+              <a:defRPr sz="1600"/>
+            </a:lvl7pPr>
+            <a:lvl8pPr>
+              <a:defRPr sz="1600"/>
+            </a:lvl8pPr>
+            <a:lvl9pPr>
+              <a:defRPr sz="1600"/>
+            </a:lvl9pPr>
+          </a:lstStyle>
           <a:p>
             <a:pPr lvl="0"/>
             <a:r>
@@ -2149,19 +2202,13 @@
               <a:rPr lang="en-US"/>
               <a:t>Fifth level</a:t>
             </a:r>
-            <a:endParaRPr lang="en-IN"/>
-          </a:p>
-        </p:txBody>
-      </p:sp>
-      <p:sp>
-        <p:nvSpPr>
-          <p:cNvPr id="7" name="Date Placeholder 6">
-            <a:extLst>
-              <a:ext uri="{FF2B5EF4-FFF2-40B4-BE49-F238E27FC236}">
-                <a16:creationId xmlns:a16="http://schemas.microsoft.com/office/drawing/2014/main" id="{54D2676D-9DFA-7988-95FC-CB8C6E8F5844}"/>
-              </a:ext>
-            </a:extLst>
-          </p:cNvPr>
+            <a:endParaRPr lang="en-US" dirty="0"/>
+          </a:p>
+        </p:txBody>
+      </p:sp>
+      <p:sp>
+        <p:nvSpPr>
+          <p:cNvPr id="7" name="Date Placeholder 6"/>
           <p:cNvSpPr>
             <a:spLocks noGrp="1"/>
           </p:cNvSpPr>
@@ -2176,7 +2223,7 @@
           <a:p>
             <a:fld id="{E43A1977-0EB2-419C-8046-0F4A66D252E0}" type="datetimeFigureOut">
               <a:rPr lang="en-US" smtClean="0"/>
-              <a:t>12/18/2022</a:t>
+              <a:t>12/25/2022</a:t>
             </a:fld>
             <a:endParaRPr lang="en-US"/>
           </a:p>
@@ -2184,13 +2231,7 @@
       </p:sp>
       <p:sp>
         <p:nvSpPr>
-          <p:cNvPr id="8" name="Footer Placeholder 7">
-            <a:extLst>
-              <a:ext uri="{FF2B5EF4-FFF2-40B4-BE49-F238E27FC236}">
-                <a16:creationId xmlns:a16="http://schemas.microsoft.com/office/drawing/2014/main" id="{A8848DC5-DEAE-4FC3-34C1-63BE4923D96F}"/>
-              </a:ext>
-            </a:extLst>
-          </p:cNvPr>
+          <p:cNvPr id="8" name="Footer Placeholder 7"/>
           <p:cNvSpPr>
             <a:spLocks noGrp="1"/>
           </p:cNvSpPr>
@@ -2209,13 +2250,7 @@
       </p:sp>
       <p:sp>
         <p:nvSpPr>
-          <p:cNvPr id="9" name="Slide Number Placeholder 8">
-            <a:extLst>
-              <a:ext uri="{FF2B5EF4-FFF2-40B4-BE49-F238E27FC236}">
-                <a16:creationId xmlns:a16="http://schemas.microsoft.com/office/drawing/2014/main" id="{27B92587-AC7A-F678-D6F0-621F583AB4ED}"/>
-              </a:ext>
-            </a:extLst>
-          </p:cNvPr>
+          <p:cNvPr id="9" name="Slide Number Placeholder 8"/>
           <p:cNvSpPr>
             <a:spLocks noGrp="1"/>
           </p:cNvSpPr>
@@ -2239,7 +2274,7 @@
     </p:spTree>
     <p:extLst>
       <p:ext uri="{BB962C8B-B14F-4D97-AF65-F5344CB8AC3E}">
-        <p14:creationId xmlns:p14="http://schemas.microsoft.com/office/powerpoint/2010/main" val="3671494402"/>
+        <p14:creationId xmlns:p14="http://schemas.microsoft.com/office/powerpoint/2010/main" val="1490860210"/>
       </p:ext>
     </p:extLst>
   </p:cSld>
@@ -2268,13 +2303,7 @@
       </p:grpSpPr>
       <p:sp>
         <p:nvSpPr>
-          <p:cNvPr id="2" name="Title 1">
-            <a:extLst>
-              <a:ext uri="{FF2B5EF4-FFF2-40B4-BE49-F238E27FC236}">
-                <a16:creationId xmlns:a16="http://schemas.microsoft.com/office/drawing/2014/main" id="{EF6C9309-658F-44D1-DC5A-FF65BCF5CC43}"/>
-              </a:ext>
-            </a:extLst>
-          </p:cNvPr>
+          <p:cNvPr id="2" name="Title 1"/>
           <p:cNvSpPr>
             <a:spLocks noGrp="1"/>
           </p:cNvSpPr>
@@ -2291,19 +2320,13 @@
               <a:rPr lang="en-US"/>
               <a:t>Click to edit Master title style</a:t>
             </a:r>
-            <a:endParaRPr lang="en-IN"/>
-          </a:p>
-        </p:txBody>
-      </p:sp>
-      <p:sp>
-        <p:nvSpPr>
-          <p:cNvPr id="3" name="Date Placeholder 2">
-            <a:extLst>
-              <a:ext uri="{FF2B5EF4-FFF2-40B4-BE49-F238E27FC236}">
-                <a16:creationId xmlns:a16="http://schemas.microsoft.com/office/drawing/2014/main" id="{45635905-5483-F62D-B554-88A07E36481A}"/>
-              </a:ext>
-            </a:extLst>
-          </p:cNvPr>
+            <a:endParaRPr lang="en-US" dirty="0"/>
+          </a:p>
+        </p:txBody>
+      </p:sp>
+      <p:sp>
+        <p:nvSpPr>
+          <p:cNvPr id="3" name="Date Placeholder 2"/>
           <p:cNvSpPr>
             <a:spLocks noGrp="1"/>
           </p:cNvSpPr>
@@ -2318,7 +2341,7 @@
           <a:p>
             <a:fld id="{E43A1977-0EB2-419C-8046-0F4A66D252E0}" type="datetimeFigureOut">
               <a:rPr lang="en-US" smtClean="0"/>
-              <a:t>12/18/2022</a:t>
+              <a:t>12/25/2022</a:t>
             </a:fld>
             <a:endParaRPr lang="en-US"/>
           </a:p>
@@ -2326,13 +2349,7 @@
       </p:sp>
       <p:sp>
         <p:nvSpPr>
-          <p:cNvPr id="4" name="Footer Placeholder 3">
-            <a:extLst>
-              <a:ext uri="{FF2B5EF4-FFF2-40B4-BE49-F238E27FC236}">
-                <a16:creationId xmlns:a16="http://schemas.microsoft.com/office/drawing/2014/main" id="{A49283D1-ABDD-C430-1B68-0B256844BF67}"/>
-              </a:ext>
-            </a:extLst>
-          </p:cNvPr>
+          <p:cNvPr id="4" name="Footer Placeholder 3"/>
           <p:cNvSpPr>
             <a:spLocks noGrp="1"/>
           </p:cNvSpPr>
@@ -2351,13 +2368,7 @@
       </p:sp>
       <p:sp>
         <p:nvSpPr>
-          <p:cNvPr id="5" name="Slide Number Placeholder 4">
-            <a:extLst>
-              <a:ext uri="{FF2B5EF4-FFF2-40B4-BE49-F238E27FC236}">
-                <a16:creationId xmlns:a16="http://schemas.microsoft.com/office/drawing/2014/main" id="{4FE854B7-AA3E-6604-6E0C-46A377BE5401}"/>
-              </a:ext>
-            </a:extLst>
-          </p:cNvPr>
+          <p:cNvPr id="5" name="Slide Number Placeholder 4"/>
           <p:cNvSpPr>
             <a:spLocks noGrp="1"/>
           </p:cNvSpPr>
@@ -2381,7 +2392,7 @@
     </p:spTree>
     <p:extLst>
       <p:ext uri="{BB962C8B-B14F-4D97-AF65-F5344CB8AC3E}">
-        <p14:creationId xmlns:p14="http://schemas.microsoft.com/office/powerpoint/2010/main" val="3356843657"/>
+        <p14:creationId xmlns:p14="http://schemas.microsoft.com/office/powerpoint/2010/main" val="886954469"/>
       </p:ext>
     </p:extLst>
   </p:cSld>
@@ -2410,13 +2421,7 @@
       </p:grpSpPr>
       <p:sp>
         <p:nvSpPr>
-          <p:cNvPr id="2" name="Date Placeholder 1">
-            <a:extLst>
-              <a:ext uri="{FF2B5EF4-FFF2-40B4-BE49-F238E27FC236}">
-                <a16:creationId xmlns:a16="http://schemas.microsoft.com/office/drawing/2014/main" id="{5CF40133-700A-3884-77C5-1D26DB6B9612}"/>
-              </a:ext>
-            </a:extLst>
-          </p:cNvPr>
+          <p:cNvPr id="2" name="Date Placeholder 1"/>
           <p:cNvSpPr>
             <a:spLocks noGrp="1"/>
           </p:cNvSpPr>
@@ -2431,7 +2436,7 @@
           <a:p>
             <a:fld id="{E43A1977-0EB2-419C-8046-0F4A66D252E0}" type="datetimeFigureOut">
               <a:rPr lang="en-US" smtClean="0"/>
-              <a:t>12/18/2022</a:t>
+              <a:t>12/25/2022</a:t>
             </a:fld>
             <a:endParaRPr lang="en-US"/>
           </a:p>
@@ -2439,13 +2444,7 @@
       </p:sp>
       <p:sp>
         <p:nvSpPr>
-          <p:cNvPr id="3" name="Footer Placeholder 2">
-            <a:extLst>
-              <a:ext uri="{FF2B5EF4-FFF2-40B4-BE49-F238E27FC236}">
-                <a16:creationId xmlns:a16="http://schemas.microsoft.com/office/drawing/2014/main" id="{B81259DA-6436-AEB6-07C6-998A662F9F50}"/>
-              </a:ext>
-            </a:extLst>
-          </p:cNvPr>
+          <p:cNvPr id="3" name="Footer Placeholder 2"/>
           <p:cNvSpPr>
             <a:spLocks noGrp="1"/>
           </p:cNvSpPr>
@@ -2464,13 +2463,7 @@
       </p:sp>
       <p:sp>
         <p:nvSpPr>
-          <p:cNvPr id="4" name="Slide Number Placeholder 3">
-            <a:extLst>
-              <a:ext uri="{FF2B5EF4-FFF2-40B4-BE49-F238E27FC236}">
-                <a16:creationId xmlns:a16="http://schemas.microsoft.com/office/drawing/2014/main" id="{60F4A709-5CD3-640A-E192-7E80044F98B2}"/>
-              </a:ext>
-            </a:extLst>
-          </p:cNvPr>
+          <p:cNvPr id="4" name="Slide Number Placeholder 3"/>
           <p:cNvSpPr>
             <a:spLocks noGrp="1"/>
           </p:cNvSpPr>
@@ -2494,7 +2487,7 @@
     </p:spTree>
     <p:extLst>
       <p:ext uri="{BB962C8B-B14F-4D97-AF65-F5344CB8AC3E}">
-        <p14:creationId xmlns:p14="http://schemas.microsoft.com/office/powerpoint/2010/main" val="666225685"/>
+        <p14:creationId xmlns:p14="http://schemas.microsoft.com/office/powerpoint/2010/main" val="2049243201"/>
       </p:ext>
     </p:extLst>
   </p:cSld>
@@ -2523,13 +2516,7 @@
       </p:grpSpPr>
       <p:sp>
         <p:nvSpPr>
-          <p:cNvPr id="2" name="Title 1">
-            <a:extLst>
-              <a:ext uri="{FF2B5EF4-FFF2-40B4-BE49-F238E27FC236}">
-                <a16:creationId xmlns:a16="http://schemas.microsoft.com/office/drawing/2014/main" id="{8A95C029-CA10-1D66-ECE8-241DF150EB53}"/>
-              </a:ext>
-            </a:extLst>
-          </p:cNvPr>
+          <p:cNvPr id="2" name="Title 1"/>
           <p:cNvSpPr>
             <a:spLocks noGrp="1"/>
           </p:cNvSpPr>
@@ -2539,15 +2526,20 @@
         </p:nvSpPr>
         <p:spPr>
           <a:xfrm>
-            <a:off x="839788" y="457200"/>
-            <a:ext cx="3932237" cy="1600200"/>
+            <a:off x="1143000" y="1097280"/>
+            <a:ext cx="3931920" cy="1737360"/>
           </a:xfrm>
         </p:spPr>
         <p:txBody>
-          <a:bodyPr anchor="b"/>
+          <a:bodyPr anchor="b">
+            <a:noAutofit/>
+          </a:bodyPr>
           <a:lstStyle>
             <a:lvl1pPr>
-              <a:defRPr sz="3200"/>
+              <a:lnSpc>
+                <a:spcPct val="90000"/>
+              </a:lnSpc>
+              <a:defRPr sz="4000" b="0"/>
             </a:lvl1pPr>
           </a:lstStyle>
           <a:p>
@@ -2555,19 +2547,13 @@
               <a:rPr lang="en-US"/>
               <a:t>Click to edit Master title style</a:t>
             </a:r>
-            <a:endParaRPr lang="en-IN"/>
-          </a:p>
-        </p:txBody>
-      </p:sp>
-      <p:sp>
-        <p:nvSpPr>
-          <p:cNvPr id="3" name="Content Placeholder 2">
-            <a:extLst>
-              <a:ext uri="{FF2B5EF4-FFF2-40B4-BE49-F238E27FC236}">
-                <a16:creationId xmlns:a16="http://schemas.microsoft.com/office/drawing/2014/main" id="{62FA904D-37CA-F3CE-D115-F83BFF6EB4EF}"/>
-              </a:ext>
-            </a:extLst>
-          </p:cNvPr>
+            <a:endParaRPr lang="en-US" dirty="0"/>
+          </a:p>
+        </p:txBody>
+      </p:sp>
+      <p:sp>
+        <p:nvSpPr>
+          <p:cNvPr id="3" name="Content Placeholder 2"/>
           <p:cNvSpPr>
             <a:spLocks noGrp="1"/>
           </p:cNvSpPr>
@@ -2577,8 +2563,8 @@
         </p:nvSpPr>
         <p:spPr>
           <a:xfrm>
-            <a:off x="5183188" y="987425"/>
-            <a:ext cx="6172200" cy="4873625"/>
+            <a:off x="5852159" y="1097280"/>
+            <a:ext cx="5212080" cy="4663440"/>
           </a:xfrm>
         </p:spPr>
         <p:txBody>
@@ -2646,19 +2632,13 @@
               <a:rPr lang="en-US"/>
               <a:t>Fifth level</a:t>
             </a:r>
-            <a:endParaRPr lang="en-IN"/>
-          </a:p>
-        </p:txBody>
-      </p:sp>
-      <p:sp>
-        <p:nvSpPr>
-          <p:cNvPr id="4" name="Text Placeholder 3">
-            <a:extLst>
-              <a:ext uri="{FF2B5EF4-FFF2-40B4-BE49-F238E27FC236}">
-                <a16:creationId xmlns:a16="http://schemas.microsoft.com/office/drawing/2014/main" id="{6CA5E176-8718-B419-CE66-AEDD66610361}"/>
-              </a:ext>
-            </a:extLst>
-          </p:cNvPr>
+            <a:endParaRPr lang="en-US" dirty="0"/>
+          </a:p>
+        </p:txBody>
+      </p:sp>
+      <p:sp>
+        <p:nvSpPr>
+          <p:cNvPr id="4" name="Text Placeholder 3"/>
           <p:cNvSpPr>
             <a:spLocks noGrp="1"/>
           </p:cNvSpPr>
@@ -2668,48 +2648,56 @@
         </p:nvSpPr>
         <p:spPr>
           <a:xfrm>
-            <a:off x="839788" y="2057400"/>
-            <a:ext cx="3932237" cy="3811588"/>
+            <a:off x="1143000" y="2834640"/>
+            <a:ext cx="3931920" cy="3017520"/>
           </a:xfrm>
         </p:spPr>
         <p:txBody>
-          <a:bodyPr/>
+          <a:bodyPr>
+            <a:normAutofit/>
+          </a:bodyPr>
           <a:lstStyle>
             <a:lvl1pPr marL="0" indent="0">
-              <a:buNone/>
-              <a:defRPr sz="1600"/>
+              <a:lnSpc>
+                <a:spcPct val="100000"/>
+              </a:lnSpc>
+              <a:spcBef>
+                <a:spcPts val="1000"/>
+              </a:spcBef>
+              <a:buNone/>
+              <a:defRPr sz="1700"/>
             </a:lvl1pPr>
             <a:lvl2pPr marL="457200" indent="0">
               <a:buNone/>
-              <a:defRPr sz="1400"/>
+              <a:defRPr sz="1200"/>
             </a:lvl2pPr>
             <a:lvl3pPr marL="914400" indent="0">
               <a:buNone/>
-              <a:defRPr sz="1200"/>
+              <a:defRPr sz="1000"/>
             </a:lvl3pPr>
             <a:lvl4pPr marL="1371600" indent="0">
               <a:buNone/>
-              <a:defRPr sz="1000"/>
+              <a:defRPr sz="900"/>
             </a:lvl4pPr>
             <a:lvl5pPr marL="1828800" indent="0">
               <a:buNone/>
-              <a:defRPr sz="1000"/>
+              <a:defRPr sz="900"/>
             </a:lvl5pPr>
             <a:lvl6pPr marL="2286000" indent="0">
               <a:buNone/>
-              <a:defRPr sz="1000"/>
+              <a:defRPr sz="900"/>
             </a:lvl6pPr>
             <a:lvl7pPr marL="2743200" indent="0">
               <a:buNone/>
-              <a:defRPr sz="1000"/>
+              <a:defRPr sz="900"/>
             </a:lvl7pPr>
             <a:lvl8pPr marL="3200400" indent="0">
               <a:buNone/>
-              <a:defRPr sz="1000"/>
+              <a:defRPr sz="900"/>
             </a:lvl8pPr>
             <a:lvl9pPr marL="3657600" indent="0">
               <a:buNone/>
-              <a:defRPr sz="1000"/>
+              <a:defRPr sz="900"/>
             </a:lvl9pPr>
           </a:lstStyle>
           <a:p>
@@ -2723,13 +2711,7 @@
       </p:sp>
       <p:sp>
         <p:nvSpPr>
-          <p:cNvPr id="5" name="Date Placeholder 4">
-            <a:extLst>
-              <a:ext uri="{FF2B5EF4-FFF2-40B4-BE49-F238E27FC236}">
-                <a16:creationId xmlns:a16="http://schemas.microsoft.com/office/drawing/2014/main" id="{28510DBB-10F2-D478-454F-DB2E95D36AF7}"/>
-              </a:ext>
-            </a:extLst>
-          </p:cNvPr>
+          <p:cNvPr id="5" name="Date Placeholder 4"/>
           <p:cNvSpPr>
             <a:spLocks noGrp="1"/>
           </p:cNvSpPr>
@@ -2744,7 +2726,7 @@
           <a:p>
             <a:fld id="{E43A1977-0EB2-419C-8046-0F4A66D252E0}" type="datetimeFigureOut">
               <a:rPr lang="en-US" smtClean="0"/>
-              <a:t>12/18/2022</a:t>
+              <a:t>12/25/2022</a:t>
             </a:fld>
             <a:endParaRPr lang="en-US"/>
           </a:p>
@@ -2752,13 +2734,7 @@
       </p:sp>
       <p:sp>
         <p:nvSpPr>
-          <p:cNvPr id="6" name="Footer Placeholder 5">
-            <a:extLst>
-              <a:ext uri="{FF2B5EF4-FFF2-40B4-BE49-F238E27FC236}">
-                <a16:creationId xmlns:a16="http://schemas.microsoft.com/office/drawing/2014/main" id="{0FAE1302-FCBF-4C24-2ACA-081083503FC9}"/>
-              </a:ext>
-            </a:extLst>
-          </p:cNvPr>
+          <p:cNvPr id="6" name="Footer Placeholder 5"/>
           <p:cNvSpPr>
             <a:spLocks noGrp="1"/>
           </p:cNvSpPr>
@@ -2777,13 +2753,7 @@
       </p:sp>
       <p:sp>
         <p:nvSpPr>
-          <p:cNvPr id="7" name="Slide Number Placeholder 6">
-            <a:extLst>
-              <a:ext uri="{FF2B5EF4-FFF2-40B4-BE49-F238E27FC236}">
-                <a16:creationId xmlns:a16="http://schemas.microsoft.com/office/drawing/2014/main" id="{0AE5C1EE-3E95-B1D7-9AF5-67B74C49FB66}"/>
-              </a:ext>
-            </a:extLst>
-          </p:cNvPr>
+          <p:cNvPr id="7" name="Slide Number Placeholder 6"/>
           <p:cNvSpPr>
             <a:spLocks noGrp="1"/>
           </p:cNvSpPr>
@@ -2807,7 +2777,7 @@
     </p:spTree>
     <p:extLst>
       <p:ext uri="{BB962C8B-B14F-4D97-AF65-F5344CB8AC3E}">
-        <p14:creationId xmlns:p14="http://schemas.microsoft.com/office/powerpoint/2010/main" val="2202020518"/>
+        <p14:creationId xmlns:p14="http://schemas.microsoft.com/office/powerpoint/2010/main" val="1295714349"/>
       </p:ext>
     </p:extLst>
   </p:cSld>
@@ -2836,13 +2806,7 @@
       </p:grpSpPr>
       <p:sp>
         <p:nvSpPr>
-          <p:cNvPr id="2" name="Title 1">
-            <a:extLst>
-              <a:ext uri="{FF2B5EF4-FFF2-40B4-BE49-F238E27FC236}">
-                <a16:creationId xmlns:a16="http://schemas.microsoft.com/office/drawing/2014/main" id="{5F78EEA1-7DAB-D3D3-CF6F-613596D0165B}"/>
-              </a:ext>
-            </a:extLst>
-          </p:cNvPr>
+          <p:cNvPr id="2" name="Title 1"/>
           <p:cNvSpPr>
             <a:spLocks noGrp="1"/>
           </p:cNvSpPr>
@@ -2852,15 +2816,20 @@
         </p:nvSpPr>
         <p:spPr>
           <a:xfrm>
-            <a:off x="839788" y="457200"/>
-            <a:ext cx="3932237" cy="1600200"/>
+            <a:off x="1143000" y="1097280"/>
+            <a:ext cx="3931920" cy="1737360"/>
           </a:xfrm>
         </p:spPr>
         <p:txBody>
-          <a:bodyPr anchor="b"/>
+          <a:bodyPr anchor="b">
+            <a:noAutofit/>
+          </a:bodyPr>
           <a:lstStyle>
             <a:lvl1pPr>
-              <a:defRPr sz="3200"/>
+              <a:lnSpc>
+                <a:spcPct val="90000"/>
+              </a:lnSpc>
+              <a:defRPr sz="4000" b="0"/>
             </a:lvl1pPr>
           </a:lstStyle>
           <a:p>
@@ -2868,21 +2837,15 @@
               <a:rPr lang="en-US"/>
               <a:t>Click to edit Master title style</a:t>
             </a:r>
-            <a:endParaRPr lang="en-IN"/>
-          </a:p>
-        </p:txBody>
-      </p:sp>
-      <p:sp>
-        <p:nvSpPr>
-          <p:cNvPr id="3" name="Picture Placeholder 2">
-            <a:extLst>
-              <a:ext uri="{FF2B5EF4-FFF2-40B4-BE49-F238E27FC236}">
-                <a16:creationId xmlns:a16="http://schemas.microsoft.com/office/drawing/2014/main" id="{543810D5-72B5-5CD9-03C3-E14E8FD13DE3}"/>
-              </a:ext>
-            </a:extLst>
-          </p:cNvPr>
-          <p:cNvSpPr>
-            <a:spLocks noGrp="1"/>
+            <a:endParaRPr lang="en-US" dirty="0"/>
+          </a:p>
+        </p:txBody>
+      </p:sp>
+      <p:sp>
+        <p:nvSpPr>
+          <p:cNvPr id="3" name="Picture Placeholder 2"/>
+          <p:cNvSpPr>
+            <a:spLocks noGrp="1" noChangeAspect="1"/>
           </p:cNvSpPr>
           <p:nvPr>
             <p:ph type="pic" idx="1"/>
@@ -2890,16 +2853,18 @@
         </p:nvSpPr>
         <p:spPr>
           <a:xfrm>
-            <a:off x="5183188" y="987425"/>
-            <a:ext cx="6172200" cy="4873625"/>
+            <a:off x="5413248" y="1069847"/>
+            <a:ext cx="6099048" cy="4800600"/>
           </a:xfrm>
         </p:spPr>
         <p:txBody>
-          <a:bodyPr/>
+          <a:bodyPr lIns="274320" tIns="182880" anchor="t">
+            <a:normAutofit/>
+          </a:bodyPr>
           <a:lstStyle>
             <a:lvl1pPr marL="0" indent="0">
               <a:buNone/>
-              <a:defRPr sz="3200"/>
+              <a:defRPr sz="2800"/>
             </a:lvl1pPr>
             <a:lvl2pPr marL="457200" indent="0">
               <a:buNone/>
@@ -2935,19 +2900,17 @@
             </a:lvl9pPr>
           </a:lstStyle>
           <a:p>
-            <a:endParaRPr lang="en-IN"/>
-          </a:p>
-        </p:txBody>
-      </p:sp>
-      <p:sp>
-        <p:nvSpPr>
-          <p:cNvPr id="4" name="Text Placeholder 3">
-            <a:extLst>
-              <a:ext uri="{FF2B5EF4-FFF2-40B4-BE49-F238E27FC236}">
-                <a16:creationId xmlns:a16="http://schemas.microsoft.com/office/drawing/2014/main" id="{372334F1-5637-D280-2CD8-64051528F677}"/>
-              </a:ext>
-            </a:extLst>
-          </p:cNvPr>
+            <a:r>
+              <a:rPr lang="en-US"/>
+              <a:t>Click icon to add picture</a:t>
+            </a:r>
+            <a:endParaRPr lang="en-US" dirty="0"/>
+          </a:p>
+        </p:txBody>
+      </p:sp>
+      <p:sp>
+        <p:nvSpPr>
+          <p:cNvPr id="4" name="Text Placeholder 3"/>
           <p:cNvSpPr>
             <a:spLocks noGrp="1"/>
           </p:cNvSpPr>
@@ -2957,48 +2920,56 @@
         </p:nvSpPr>
         <p:spPr>
           <a:xfrm>
-            <a:off x="839788" y="2057400"/>
-            <a:ext cx="3932237" cy="3811588"/>
+            <a:off x="1143000" y="2834640"/>
+            <a:ext cx="3931920" cy="2880360"/>
           </a:xfrm>
         </p:spPr>
         <p:txBody>
-          <a:bodyPr/>
+          <a:bodyPr>
+            <a:normAutofit/>
+          </a:bodyPr>
           <a:lstStyle>
             <a:lvl1pPr marL="0" indent="0">
-              <a:buNone/>
-              <a:defRPr sz="1600"/>
+              <a:lnSpc>
+                <a:spcPct val="100000"/>
+              </a:lnSpc>
+              <a:spcBef>
+                <a:spcPts val="1000"/>
+              </a:spcBef>
+              <a:buNone/>
+              <a:defRPr sz="1700"/>
             </a:lvl1pPr>
             <a:lvl2pPr marL="457200" indent="0">
               <a:buNone/>
-              <a:defRPr sz="1400"/>
+              <a:defRPr sz="1200"/>
             </a:lvl2pPr>
             <a:lvl3pPr marL="914400" indent="0">
               <a:buNone/>
-              <a:defRPr sz="1200"/>
+              <a:defRPr sz="1000"/>
             </a:lvl3pPr>
             <a:lvl4pPr marL="1371600" indent="0">
               <a:buNone/>
-              <a:defRPr sz="1000"/>
+              <a:defRPr sz="900"/>
             </a:lvl4pPr>
             <a:lvl5pPr marL="1828800" indent="0">
               <a:buNone/>
-              <a:defRPr sz="1000"/>
+              <a:defRPr sz="900"/>
             </a:lvl5pPr>
             <a:lvl6pPr marL="2286000" indent="0">
               <a:buNone/>
-              <a:defRPr sz="1000"/>
+              <a:defRPr sz="900"/>
             </a:lvl6pPr>
             <a:lvl7pPr marL="2743200" indent="0">
               <a:buNone/>
-              <a:defRPr sz="1000"/>
+              <a:defRPr sz="900"/>
             </a:lvl7pPr>
             <a:lvl8pPr marL="3200400" indent="0">
               <a:buNone/>
-              <a:defRPr sz="1000"/>
+              <a:defRPr sz="900"/>
             </a:lvl8pPr>
             <a:lvl9pPr marL="3657600" indent="0">
               <a:buNone/>
-              <a:defRPr sz="1000"/>
+              <a:defRPr sz="900"/>
             </a:lvl9pPr>
           </a:lstStyle>
           <a:p>
@@ -3012,13 +2983,7 @@
       </p:sp>
       <p:sp>
         <p:nvSpPr>
-          <p:cNvPr id="5" name="Date Placeholder 4">
-            <a:extLst>
-              <a:ext uri="{FF2B5EF4-FFF2-40B4-BE49-F238E27FC236}">
-                <a16:creationId xmlns:a16="http://schemas.microsoft.com/office/drawing/2014/main" id="{C7F46396-EE26-4C73-295B-F82D9190B732}"/>
-              </a:ext>
-            </a:extLst>
-          </p:cNvPr>
+          <p:cNvPr id="5" name="Date Placeholder 4"/>
           <p:cNvSpPr>
             <a:spLocks noGrp="1"/>
           </p:cNvSpPr>
@@ -3033,7 +2998,7 @@
           <a:p>
             <a:fld id="{E43A1977-0EB2-419C-8046-0F4A66D252E0}" type="datetimeFigureOut">
               <a:rPr lang="en-US" smtClean="0"/>
-              <a:t>12/18/2022</a:t>
+              <a:t>12/25/2022</a:t>
             </a:fld>
             <a:endParaRPr lang="en-US"/>
           </a:p>
@@ -3041,13 +3006,7 @@
       </p:sp>
       <p:sp>
         <p:nvSpPr>
-          <p:cNvPr id="6" name="Footer Placeholder 5">
-            <a:extLst>
-              <a:ext uri="{FF2B5EF4-FFF2-40B4-BE49-F238E27FC236}">
-                <a16:creationId xmlns:a16="http://schemas.microsoft.com/office/drawing/2014/main" id="{A6D9D27C-C636-9515-DDFD-133CDB8021E1}"/>
-              </a:ext>
-            </a:extLst>
-          </p:cNvPr>
+          <p:cNvPr id="6" name="Footer Placeholder 5"/>
           <p:cNvSpPr>
             <a:spLocks noGrp="1"/>
           </p:cNvSpPr>
@@ -3066,13 +3025,7 @@
       </p:sp>
       <p:sp>
         <p:nvSpPr>
-          <p:cNvPr id="7" name="Slide Number Placeholder 6">
-            <a:extLst>
-              <a:ext uri="{FF2B5EF4-FFF2-40B4-BE49-F238E27FC236}">
-                <a16:creationId xmlns:a16="http://schemas.microsoft.com/office/drawing/2014/main" id="{9B3370F1-9F71-3986-C8EF-A6E32C8A6A5F}"/>
-              </a:ext>
-            </a:extLst>
-          </p:cNvPr>
+          <p:cNvPr id="7" name="Slide Number Placeholder 6"/>
           <p:cNvSpPr>
             <a:spLocks noGrp="1"/>
           </p:cNvSpPr>
@@ -3096,7 +3049,7 @@
     </p:spTree>
     <p:extLst>
       <p:ext uri="{BB962C8B-B14F-4D97-AF65-F5344CB8AC3E}">
-        <p14:creationId xmlns:p14="http://schemas.microsoft.com/office/powerpoint/2010/main" val="2680069197"/>
+        <p14:creationId xmlns:p14="http://schemas.microsoft.com/office/powerpoint/2010/main" val="1077696902"/>
       </p:ext>
     </p:extLst>
   </p:cSld>
@@ -3110,9 +3063,12 @@
 <p:sldMaster xmlns:a="http://schemas.openxmlformats.org/drawingml/2006/main" xmlns:r="http://schemas.openxmlformats.org/officeDocument/2006/relationships" xmlns:p="http://schemas.openxmlformats.org/presentationml/2006/main">
   <p:cSld>
     <p:bg>
-      <p:bgRef idx="1001">
-        <a:schemeClr val="bg1"/>
-      </p:bgRef>
+      <p:bgPr>
+        <a:solidFill>
+          <a:schemeClr val="accent1"/>
+        </a:solidFill>
+        <a:effectLst/>
+      </p:bgPr>
     </p:bg>
     <p:spTree>
       <p:nvGrpSpPr>
@@ -3130,24 +3086,58 @@
       </p:grpSpPr>
       <p:sp>
         <p:nvSpPr>
-          <p:cNvPr id="2" name="Title Placeholder 1">
-            <a:extLst>
-              <a:ext uri="{FF2B5EF4-FFF2-40B4-BE49-F238E27FC236}">
-                <a16:creationId xmlns:a16="http://schemas.microsoft.com/office/drawing/2014/main" id="{5B465A4F-969A-0EF5-9D55-ED2387D48332}"/>
-              </a:ext>
-            </a:extLst>
-          </p:cNvPr>
-          <p:cNvSpPr>
-            <a:spLocks noGrp="1"/>
-          </p:cNvSpPr>
-          <p:nvPr>
-            <p:ph type="title"/>
-          </p:nvPr>
+          <p:cNvPr id="7" name="Rectangle 6"/>
+          <p:cNvSpPr>
+            <a:spLocks noChangeAspect="1"/>
+          </p:cNvSpPr>
+          <p:nvPr/>
         </p:nvSpPr>
         <p:spPr>
           <a:xfrm>
-            <a:off x="838200" y="365125"/>
-            <a:ext cx="10515600" cy="1325563"/>
+            <a:off x="231140" y="243840"/>
+            <a:ext cx="11724640" cy="6377939"/>
+          </a:xfrm>
+          <a:prstGeom prst="rect">
+            <a:avLst/>
+          </a:prstGeom>
+          <a:solidFill>
+            <a:schemeClr val="bg1"/>
+          </a:solidFill>
+          <a:ln w="12700">
+            <a:noFill/>
+          </a:ln>
+        </p:spPr>
+        <p:style>
+          <a:lnRef idx="2">
+            <a:schemeClr val="accent1">
+              <a:shade val="50000"/>
+            </a:schemeClr>
+          </a:lnRef>
+          <a:fillRef idx="1">
+            <a:schemeClr val="accent1"/>
+          </a:fillRef>
+          <a:effectRef idx="0">
+            <a:schemeClr val="accent1"/>
+          </a:effectRef>
+          <a:fontRef idx="minor">
+            <a:schemeClr val="lt1"/>
+          </a:fontRef>
+        </p:style>
+      </p:sp>
+      <p:sp>
+        <p:nvSpPr>
+          <p:cNvPr id="2" name="Title Placeholder 1"/>
+          <p:cNvSpPr>
+            <a:spLocks noGrp="1"/>
+          </p:cNvSpPr>
+          <p:nvPr>
+            <p:ph type="title"/>
+          </p:nvPr>
+        </p:nvSpPr>
+        <p:spPr>
+          <a:xfrm>
+            <a:off x="1143000" y="609600"/>
+            <a:ext cx="9875520" cy="1356360"/>
           </a:xfrm>
           <a:prstGeom prst="rect">
             <a:avLst/>
@@ -3163,19 +3153,13 @@
               <a:rPr lang="en-US"/>
               <a:t>Click to edit Master title style</a:t>
             </a:r>
-            <a:endParaRPr lang="en-IN"/>
-          </a:p>
-        </p:txBody>
-      </p:sp>
-      <p:sp>
-        <p:nvSpPr>
-          <p:cNvPr id="3" name="Text Placeholder 2">
-            <a:extLst>
-              <a:ext uri="{FF2B5EF4-FFF2-40B4-BE49-F238E27FC236}">
-                <a16:creationId xmlns:a16="http://schemas.microsoft.com/office/drawing/2014/main" id="{0C30E5CE-E001-FF2F-1E6D-1C7BBE9D3CC4}"/>
-              </a:ext>
-            </a:extLst>
-          </p:cNvPr>
+            <a:endParaRPr lang="en-US" dirty="0"/>
+          </a:p>
+        </p:txBody>
+      </p:sp>
+      <p:sp>
+        <p:nvSpPr>
+          <p:cNvPr id="3" name="Text Placeholder 2"/>
           <p:cNvSpPr>
             <a:spLocks noGrp="1"/>
           </p:cNvSpPr>
@@ -3185,8 +3169,8 @@
         </p:nvSpPr>
         <p:spPr>
           <a:xfrm>
-            <a:off x="838200" y="1825625"/>
-            <a:ext cx="10515600" cy="4351338"/>
+            <a:off x="1143000" y="2057400"/>
+            <a:ext cx="9872871" cy="4038600"/>
           </a:xfrm>
           <a:prstGeom prst="rect">
             <a:avLst/>
@@ -3231,19 +3215,13 @@
               <a:rPr lang="en-US"/>
               <a:t>Fifth level</a:t>
             </a:r>
-            <a:endParaRPr lang="en-IN"/>
-          </a:p>
-        </p:txBody>
-      </p:sp>
-      <p:sp>
-        <p:nvSpPr>
-          <p:cNvPr id="4" name="Date Placeholder 3">
-            <a:extLst>
-              <a:ext uri="{FF2B5EF4-FFF2-40B4-BE49-F238E27FC236}">
-                <a16:creationId xmlns:a16="http://schemas.microsoft.com/office/drawing/2014/main" id="{B0C5EDF8-82DF-06C9-22C7-B08C16C4915C}"/>
-              </a:ext>
-            </a:extLst>
-          </p:cNvPr>
+            <a:endParaRPr lang="en-US" dirty="0"/>
+          </a:p>
+        </p:txBody>
+      </p:sp>
+      <p:sp>
+        <p:nvSpPr>
+          <p:cNvPr id="4" name="Date Placeholder 3"/>
           <p:cNvSpPr>
             <a:spLocks noGrp="1"/>
           </p:cNvSpPr>
@@ -3253,8 +3231,8 @@
         </p:nvSpPr>
         <p:spPr>
           <a:xfrm>
-            <a:off x="838200" y="6356350"/>
-            <a:ext cx="2743200" cy="365125"/>
+            <a:off x="1142996" y="6223828"/>
+            <a:ext cx="2329074" cy="365125"/>
           </a:xfrm>
           <a:prstGeom prst="rect">
             <a:avLst/>
@@ -3266,9 +3244,7 @@
             <a:lvl1pPr algn="l">
               <a:defRPr sz="1200">
                 <a:solidFill>
-                  <a:schemeClr val="tx1">
-                    <a:tint val="75000"/>
-                  </a:schemeClr>
+                  <a:schemeClr val="accent1"/>
                 </a:solidFill>
               </a:defRPr>
             </a:lvl1pPr>
@@ -3276,7 +3252,7 @@
           <a:p>
             <a:fld id="{E43A1977-0EB2-419C-8046-0F4A66D252E0}" type="datetimeFigureOut">
               <a:rPr lang="en-US" smtClean="0"/>
-              <a:t>12/18/2022</a:t>
+              <a:t>12/25/2022</a:t>
             </a:fld>
             <a:endParaRPr lang="en-US"/>
           </a:p>
@@ -3284,13 +3260,7 @@
       </p:sp>
       <p:sp>
         <p:nvSpPr>
-          <p:cNvPr id="5" name="Footer Placeholder 4">
-            <a:extLst>
-              <a:ext uri="{FF2B5EF4-FFF2-40B4-BE49-F238E27FC236}">
-                <a16:creationId xmlns:a16="http://schemas.microsoft.com/office/drawing/2014/main" id="{1EBADCF7-4DC4-7015-4C79-421E17E119F0}"/>
-              </a:ext>
-            </a:extLst>
-          </p:cNvPr>
+          <p:cNvPr id="5" name="Footer Placeholder 4"/>
           <p:cNvSpPr>
             <a:spLocks noGrp="1"/>
           </p:cNvSpPr>
@@ -3300,8 +3270,8 @@
         </p:nvSpPr>
         <p:spPr>
           <a:xfrm>
-            <a:off x="4038600" y="6356350"/>
-            <a:ext cx="4114800" cy="365125"/>
+            <a:off x="3949148" y="6223828"/>
+            <a:ext cx="4717774" cy="365125"/>
           </a:xfrm>
           <a:prstGeom prst="rect">
             <a:avLst/>
@@ -3313,9 +3283,7 @@
             <a:lvl1pPr algn="ctr">
               <a:defRPr sz="1200">
                 <a:solidFill>
-                  <a:schemeClr val="tx1">
-                    <a:tint val="75000"/>
-                  </a:schemeClr>
+                  <a:schemeClr val="accent1"/>
                 </a:solidFill>
               </a:defRPr>
             </a:lvl1pPr>
@@ -3327,13 +3295,7 @@
       </p:sp>
       <p:sp>
         <p:nvSpPr>
-          <p:cNvPr id="6" name="Slide Number Placeholder 5">
-            <a:extLst>
-              <a:ext uri="{FF2B5EF4-FFF2-40B4-BE49-F238E27FC236}">
-                <a16:creationId xmlns:a16="http://schemas.microsoft.com/office/drawing/2014/main" id="{8CAFFE70-11B5-D94A-7D24-7FAC632DB947}"/>
-              </a:ext>
-            </a:extLst>
-          </p:cNvPr>
+          <p:cNvPr id="6" name="Slide Number Placeholder 5"/>
           <p:cNvSpPr>
             <a:spLocks noGrp="1"/>
           </p:cNvSpPr>
@@ -3343,8 +3305,8 @@
         </p:nvSpPr>
         <p:spPr>
           <a:xfrm>
-            <a:off x="8610600" y="6356350"/>
-            <a:ext cx="2743200" cy="365125"/>
+            <a:off x="9329530" y="6223828"/>
+            <a:ext cx="1706217" cy="365125"/>
           </a:xfrm>
           <a:prstGeom prst="rect">
             <a:avLst/>
@@ -3356,9 +3318,7 @@
             <a:lvl1pPr algn="r">
               <a:defRPr sz="1200">
                 <a:solidFill>
-                  <a:schemeClr val="tx1">
-                    <a:tint val="75000"/>
-                  </a:schemeClr>
+                  <a:schemeClr val="accent1"/>
                 </a:solidFill>
               </a:defRPr>
             </a:lvl1pPr>
@@ -3375,24 +3335,24 @@
     </p:spTree>
     <p:extLst>
       <p:ext uri="{BB962C8B-B14F-4D97-AF65-F5344CB8AC3E}">
-        <p14:creationId xmlns:p14="http://schemas.microsoft.com/office/powerpoint/2010/main" val="1130835159"/>
+        <p14:creationId xmlns:p14="http://schemas.microsoft.com/office/powerpoint/2010/main" val="2100614895"/>
       </p:ext>
     </p:extLst>
   </p:cSld>
   <p:clrMap bg1="lt1" tx1="dk1" bg2="lt2" tx2="dk2" accent1="accent1" accent2="accent2" accent3="accent3" accent4="accent4" accent5="accent5" accent6="accent6" hlink="hlink" folHlink="folHlink"/>
   <p:sldLayoutIdLst>
-    <p:sldLayoutId id="2147483967" r:id="rId1"/>
-    <p:sldLayoutId id="2147483968" r:id="rId2"/>
-    <p:sldLayoutId id="2147483969" r:id="rId3"/>
-    <p:sldLayoutId id="2147483970" r:id="rId4"/>
-    <p:sldLayoutId id="2147483971" r:id="rId5"/>
-    <p:sldLayoutId id="2147483972" r:id="rId6"/>
-    <p:sldLayoutId id="2147483973" r:id="rId7"/>
-    <p:sldLayoutId id="2147483974" r:id="rId8"/>
-    <p:sldLayoutId id="2147483975" r:id="rId9"/>
-    <p:sldLayoutId id="2147483976" r:id="rId10"/>
-    <p:sldLayoutId id="2147483977" r:id="rId11"/>
-    <p:sldLayoutId id="2147483978" r:id="rId12"/>
+    <p:sldLayoutId id="2147484051" r:id="rId1"/>
+    <p:sldLayoutId id="2147484052" r:id="rId2"/>
+    <p:sldLayoutId id="2147484053" r:id="rId3"/>
+    <p:sldLayoutId id="2147484054" r:id="rId4"/>
+    <p:sldLayoutId id="2147484055" r:id="rId5"/>
+    <p:sldLayoutId id="2147484056" r:id="rId6"/>
+    <p:sldLayoutId id="2147484057" r:id="rId7"/>
+    <p:sldLayoutId id="2147484058" r:id="rId8"/>
+    <p:sldLayoutId id="2147484059" r:id="rId9"/>
+    <p:sldLayoutId id="2147484060" r:id="rId10"/>
+    <p:sldLayoutId id="2147484061" r:id="rId11"/>
+    <p:sldLayoutId id="2147484062" r:id="rId12"/>
   </p:sldLayoutIdLst>
   <p:txStyles>
     <p:titleStyle>
@@ -3406,7 +3366,7 @@
         <a:buNone/>
         <a:defRPr sz="4400" kern="1200">
           <a:solidFill>
-            <a:schemeClr val="tx1"/>
+            <a:schemeClr val="accent1"/>
           </a:solidFill>
           <a:latin typeface="+mj-lt"/>
           <a:ea typeface="+mj-ea"/>
@@ -3415,162 +3375,222 @@
       </a:lvl1pPr>
     </p:titleStyle>
     <p:bodyStyle>
-      <a:lvl1pPr marL="228600" indent="-228600" algn="l" defTabSz="914400" rtl="0" eaLnBrk="1" latinLnBrk="0" hangingPunct="1">
+      <a:lvl1pPr marL="228600" indent="-182880" algn="l" defTabSz="914400" rtl="0" eaLnBrk="1" latinLnBrk="0" hangingPunct="1">
         <a:lnSpc>
           <a:spcPct val="90000"/>
         </a:lnSpc>
         <a:spcBef>
-          <a:spcPts val="1000"/>
+          <a:spcPts val="1400"/>
         </a:spcBef>
-        <a:buFont typeface="Arial" panose="020B0604020202020204" pitchFamily="34" charset="0"/>
+        <a:buClr>
+          <a:schemeClr val="accent1"/>
+        </a:buClr>
+        <a:buSzPct val="80000"/>
+        <a:buFont typeface="Corbel" pitchFamily="34" charset="0"/>
         <a:buChar char="•"/>
-        <a:defRPr sz="2800" kern="1200">
+        <a:defRPr sz="2200" kern="1200">
           <a:solidFill>
-            <a:schemeClr val="tx1"/>
+            <a:schemeClr val="accent1"/>
           </a:solidFill>
           <a:latin typeface="+mn-lt"/>
           <a:ea typeface="+mn-ea"/>
           <a:cs typeface="+mn-cs"/>
         </a:defRPr>
       </a:lvl1pPr>
-      <a:lvl2pPr marL="685800" indent="-228600" algn="l" defTabSz="914400" rtl="0" eaLnBrk="1" latinLnBrk="0" hangingPunct="1">
+      <a:lvl2pPr marL="457200" indent="-182880" algn="l" defTabSz="914400" rtl="0" eaLnBrk="1" latinLnBrk="0" hangingPunct="1">
         <a:lnSpc>
           <a:spcPct val="90000"/>
         </a:lnSpc>
         <a:spcBef>
-          <a:spcPts val="500"/>
+          <a:spcPts val="200"/>
         </a:spcBef>
-        <a:buFont typeface="Arial" panose="020B0604020202020204" pitchFamily="34" charset="0"/>
+        <a:spcAft>
+          <a:spcPts val="400"/>
+        </a:spcAft>
+        <a:buClr>
+          <a:schemeClr val="accent1"/>
+        </a:buClr>
+        <a:buSzPct val="80000"/>
+        <a:buFont typeface="Corbel" pitchFamily="34" charset="0"/>
         <a:buChar char="•"/>
-        <a:defRPr sz="2400" kern="1200">
+        <a:defRPr sz="2000" kern="1200">
           <a:solidFill>
-            <a:schemeClr val="tx1"/>
+            <a:schemeClr val="accent1"/>
           </a:solidFill>
           <a:latin typeface="+mn-lt"/>
           <a:ea typeface="+mn-ea"/>
           <a:cs typeface="+mn-cs"/>
         </a:defRPr>
       </a:lvl2pPr>
-      <a:lvl3pPr marL="1143000" indent="-228600" algn="l" defTabSz="914400" rtl="0" eaLnBrk="1" latinLnBrk="0" hangingPunct="1">
+      <a:lvl3pPr marL="731520" indent="-182880" algn="l" defTabSz="914400" rtl="0" eaLnBrk="1" latinLnBrk="0" hangingPunct="1">
         <a:lnSpc>
           <a:spcPct val="90000"/>
         </a:lnSpc>
         <a:spcBef>
-          <a:spcPts val="500"/>
+          <a:spcPts val="200"/>
         </a:spcBef>
-        <a:buFont typeface="Arial" panose="020B0604020202020204" pitchFamily="34" charset="0"/>
+        <a:spcAft>
+          <a:spcPts val="400"/>
+        </a:spcAft>
+        <a:buClr>
+          <a:schemeClr val="accent1"/>
+        </a:buClr>
+        <a:buSzPct val="80000"/>
+        <a:buFont typeface="Corbel" pitchFamily="34" charset="0"/>
         <a:buChar char="•"/>
-        <a:defRPr sz="2000" kern="1200">
+        <a:defRPr sz="1800" kern="1200">
           <a:solidFill>
-            <a:schemeClr val="tx1"/>
+            <a:schemeClr val="accent1"/>
           </a:solidFill>
           <a:latin typeface="+mn-lt"/>
           <a:ea typeface="+mn-ea"/>
           <a:cs typeface="+mn-cs"/>
         </a:defRPr>
       </a:lvl3pPr>
-      <a:lvl4pPr marL="1600200" indent="-228600" algn="l" defTabSz="914400" rtl="0" eaLnBrk="1" latinLnBrk="0" hangingPunct="1">
+      <a:lvl4pPr marL="1005840" indent="-182880" algn="l" defTabSz="914400" rtl="0" eaLnBrk="1" latinLnBrk="0" hangingPunct="1">
         <a:lnSpc>
           <a:spcPct val="90000"/>
         </a:lnSpc>
         <a:spcBef>
-          <a:spcPts val="500"/>
+          <a:spcPts val="200"/>
         </a:spcBef>
-        <a:buFont typeface="Arial" panose="020B0604020202020204" pitchFamily="34" charset="0"/>
+        <a:spcAft>
+          <a:spcPts val="400"/>
+        </a:spcAft>
+        <a:buClr>
+          <a:schemeClr val="accent1"/>
+        </a:buClr>
+        <a:buSzPct val="80000"/>
+        <a:buFont typeface="Corbel" pitchFamily="34" charset="0"/>
         <a:buChar char="•"/>
-        <a:defRPr sz="1800" kern="1200">
+        <a:defRPr sz="1600" kern="1200">
           <a:solidFill>
-            <a:schemeClr val="tx1"/>
+            <a:schemeClr val="accent1"/>
           </a:solidFill>
           <a:latin typeface="+mn-lt"/>
           <a:ea typeface="+mn-ea"/>
           <a:cs typeface="+mn-cs"/>
         </a:defRPr>
       </a:lvl4pPr>
-      <a:lvl5pPr marL="2057400" indent="-228600" algn="l" defTabSz="914400" rtl="0" eaLnBrk="1" latinLnBrk="0" hangingPunct="1">
+      <a:lvl5pPr marL="1280160" indent="-182880" algn="l" defTabSz="914400" rtl="0" eaLnBrk="1" latinLnBrk="0" hangingPunct="1">
         <a:lnSpc>
           <a:spcPct val="90000"/>
         </a:lnSpc>
         <a:spcBef>
-          <a:spcPts val="500"/>
+          <a:spcPts val="200"/>
         </a:spcBef>
-        <a:buFont typeface="Arial" panose="020B0604020202020204" pitchFamily="34" charset="0"/>
+        <a:spcAft>
+          <a:spcPts val="400"/>
+        </a:spcAft>
+        <a:buClr>
+          <a:schemeClr val="accent1"/>
+        </a:buClr>
+        <a:buSzPct val="80000"/>
+        <a:buFont typeface="Corbel" pitchFamily="34" charset="0"/>
         <a:buChar char="•"/>
-        <a:defRPr sz="1800" kern="1200">
+        <a:defRPr sz="1600" kern="1200">
           <a:solidFill>
-            <a:schemeClr val="tx1"/>
+            <a:schemeClr val="accent1"/>
           </a:solidFill>
           <a:latin typeface="+mn-lt"/>
           <a:ea typeface="+mn-ea"/>
           <a:cs typeface="+mn-cs"/>
         </a:defRPr>
       </a:lvl5pPr>
-      <a:lvl6pPr marL="2514600" indent="-228600" algn="l" defTabSz="914400" rtl="0" eaLnBrk="1" latinLnBrk="0" hangingPunct="1">
+      <a:lvl6pPr marL="1600000" indent="-228600" algn="l" defTabSz="914400" rtl="0" eaLnBrk="1" latinLnBrk="0" hangingPunct="1">
         <a:lnSpc>
           <a:spcPct val="90000"/>
         </a:lnSpc>
         <a:spcBef>
-          <a:spcPts val="500"/>
+          <a:spcPts val="200"/>
         </a:spcBef>
-        <a:buFont typeface="Arial" panose="020B0604020202020204" pitchFamily="34" charset="0"/>
+        <a:spcAft>
+          <a:spcPts val="400"/>
+        </a:spcAft>
+        <a:buClr>
+          <a:schemeClr val="accent1"/>
+        </a:buClr>
+        <a:buSzPct val="80000"/>
+        <a:buFont typeface="Corbel" pitchFamily="34" charset="0"/>
         <a:buChar char="•"/>
-        <a:defRPr sz="1800" kern="1200">
+        <a:defRPr sz="1600" kern="1200">
           <a:solidFill>
-            <a:schemeClr val="tx1"/>
+            <a:schemeClr val="accent1"/>
           </a:solidFill>
           <a:latin typeface="+mn-lt"/>
           <a:ea typeface="+mn-ea"/>
           <a:cs typeface="+mn-cs"/>
         </a:defRPr>
       </a:lvl6pPr>
-      <a:lvl7pPr marL="2971800" indent="-228600" algn="l" defTabSz="914400" rtl="0" eaLnBrk="1" latinLnBrk="0" hangingPunct="1">
+      <a:lvl7pPr marL="1900000" indent="-228600" algn="l" defTabSz="914400" rtl="0" eaLnBrk="1" latinLnBrk="0" hangingPunct="1">
         <a:lnSpc>
           <a:spcPct val="90000"/>
         </a:lnSpc>
         <a:spcBef>
-          <a:spcPts val="500"/>
+          <a:spcPts val="200"/>
         </a:spcBef>
-        <a:buFont typeface="Arial" panose="020B0604020202020204" pitchFamily="34" charset="0"/>
+        <a:spcAft>
+          <a:spcPts val="400"/>
+        </a:spcAft>
+        <a:buClr>
+          <a:schemeClr val="accent1"/>
+        </a:buClr>
+        <a:buSzPct val="80000"/>
+        <a:buFont typeface="Corbel" pitchFamily="34" charset="0"/>
         <a:buChar char="•"/>
-        <a:defRPr sz="1800" kern="1200">
+        <a:defRPr sz="1600" kern="1200">
           <a:solidFill>
-            <a:schemeClr val="tx1"/>
+            <a:schemeClr val="accent1"/>
           </a:solidFill>
           <a:latin typeface="+mn-lt"/>
           <a:ea typeface="+mn-ea"/>
           <a:cs typeface="+mn-cs"/>
         </a:defRPr>
       </a:lvl7pPr>
-      <a:lvl8pPr marL="3429000" indent="-228600" algn="l" defTabSz="914400" rtl="0" eaLnBrk="1" latinLnBrk="0" hangingPunct="1">
+      <a:lvl8pPr marL="2200000" indent="-228600" algn="l" defTabSz="914400" rtl="0" eaLnBrk="1" latinLnBrk="0" hangingPunct="1">
         <a:lnSpc>
           <a:spcPct val="90000"/>
         </a:lnSpc>
         <a:spcBef>
-          <a:spcPts val="500"/>
+          <a:spcPts val="200"/>
         </a:spcBef>
-        <a:buFont typeface="Arial" panose="020B0604020202020204" pitchFamily="34" charset="0"/>
+        <a:spcAft>
+          <a:spcPts val="400"/>
+        </a:spcAft>
+        <a:buClr>
+          <a:schemeClr val="accent1"/>
+        </a:buClr>
+        <a:buSzPct val="80000"/>
+        <a:buFont typeface="Corbel" pitchFamily="34" charset="0"/>
         <a:buChar char="•"/>
-        <a:defRPr sz="1800" kern="1200">
+        <a:defRPr sz="1600" kern="1200">
           <a:solidFill>
-            <a:schemeClr val="tx1"/>
+            <a:schemeClr val="accent1"/>
           </a:solidFill>
           <a:latin typeface="+mn-lt"/>
           <a:ea typeface="+mn-ea"/>
           <a:cs typeface="+mn-cs"/>
         </a:defRPr>
       </a:lvl8pPr>
-      <a:lvl9pPr marL="3886200" indent="-228600" algn="l" defTabSz="914400" rtl="0" eaLnBrk="1" latinLnBrk="0" hangingPunct="1">
+      <a:lvl9pPr marL="2500000" indent="-228600" algn="l" defTabSz="914400" rtl="0" eaLnBrk="1" latinLnBrk="0" hangingPunct="1">
         <a:lnSpc>
           <a:spcPct val="90000"/>
         </a:lnSpc>
         <a:spcBef>
-          <a:spcPts val="500"/>
+          <a:spcPts val="200"/>
         </a:spcBef>
-        <a:buFont typeface="Arial" panose="020B0604020202020204" pitchFamily="34" charset="0"/>
+        <a:spcAft>
+          <a:spcPts val="400"/>
+        </a:spcAft>
+        <a:buClr>
+          <a:schemeClr val="accent1"/>
+        </a:buClr>
+        <a:buSzPct val="80000"/>
+        <a:buFont typeface="Corbel" pitchFamily="34" charset="0"/>
         <a:buChar char="•"/>
-        <a:defRPr sz="1800" kern="1200">
+        <a:defRPr sz="1600" kern="1200">
           <a:solidFill>
-            <a:schemeClr val="tx1"/>
+            <a:schemeClr val="accent1"/>
           </a:solidFill>
           <a:latin typeface="+mn-lt"/>
           <a:ea typeface="+mn-ea"/>
@@ -3868,7 +3888,7 @@
         </p:spPr>
         <p:txBody>
           <a:bodyPr>
-            <a:normAutofit fontScale="92500" lnSpcReduction="10000"/>
+            <a:normAutofit fontScale="85000" lnSpcReduction="20000"/>
           </a:bodyPr>
           <a:lstStyle/>
           <a:p>
@@ -4243,7 +4263,7 @@
         </p:spPr>
         <p:txBody>
           <a:bodyPr>
-            <a:normAutofit fontScale="92500" lnSpcReduction="10000"/>
+            <a:normAutofit fontScale="85000" lnSpcReduction="20000"/>
           </a:bodyPr>
           <a:lstStyle/>
           <a:p>
@@ -4579,7 +4599,7 @@
         </p:spPr>
         <p:txBody>
           <a:bodyPr>
-            <a:normAutofit fontScale="32500" lnSpcReduction="20000"/>
+            <a:normAutofit fontScale="25000" lnSpcReduction="20000"/>
           </a:bodyPr>
           <a:lstStyle/>
           <a:p>
@@ -5092,7 +5112,7 @@
         </p:spPr>
         <p:txBody>
           <a:bodyPr>
-            <a:normAutofit fontScale="92500" lnSpcReduction="20000"/>
+            <a:normAutofit fontScale="85000" lnSpcReduction="20000"/>
           </a:bodyPr>
           <a:lstStyle/>
           <a:p>
@@ -5435,7 +5455,7 @@
         </p:spPr>
         <p:txBody>
           <a:bodyPr>
-            <a:normAutofit fontScale="92500" lnSpcReduction="10000"/>
+            <a:normAutofit fontScale="92500" lnSpcReduction="20000"/>
           </a:bodyPr>
           <a:lstStyle/>
           <a:p>
@@ -6113,7 +6133,7 @@
         </p:spPr>
         <p:txBody>
           <a:bodyPr>
-            <a:normAutofit fontScale="55000" lnSpcReduction="20000"/>
+            <a:normAutofit fontScale="70000" lnSpcReduction="20000"/>
           </a:bodyPr>
           <a:lstStyle/>
           <a:p>
@@ -6314,6 +6334,45 @@
       </p:grpSpPr>
       <p:sp>
         <p:nvSpPr>
+          <p:cNvPr id="6" name="Title 1">
+            <a:extLst>
+              <a:ext uri="{FF2B5EF4-FFF2-40B4-BE49-F238E27FC236}">
+                <a16:creationId xmlns:a16="http://schemas.microsoft.com/office/drawing/2014/main" id="{E818DFC2-1DBF-2456-F3B0-F95A53356801}"/>
+              </a:ext>
+            </a:extLst>
+          </p:cNvPr>
+          <p:cNvSpPr>
+            <a:spLocks noGrp="1"/>
+          </p:cNvSpPr>
+          <p:nvPr>
+            <p:ph type="title"/>
+          </p:nvPr>
+        </p:nvSpPr>
+        <p:spPr>
+          <a:xfrm>
+            <a:off x="838200" y="365126"/>
+            <a:ext cx="10515600" cy="605836"/>
+          </a:xfrm>
+        </p:spPr>
+        <p:txBody>
+          <a:bodyPr>
+            <a:normAutofit fontScale="90000"/>
+          </a:bodyPr>
+          <a:lstStyle/>
+          <a:p>
+            <a:r>
+              <a:rPr lang="en-IN" b="0" i="0" dirty="0">
+                <a:effectLst/>
+                <a:latin typeface="sofia-pro"/>
+              </a:rPr>
+              <a:t>JS Iterating Over String</a:t>
+            </a:r>
+            <a:endParaRPr lang="en-US" dirty="0"/>
+          </a:p>
+        </p:txBody>
+      </p:sp>
+      <p:sp>
+        <p:nvSpPr>
           <p:cNvPr id="3" name="Content Placeholder 2">
             <a:extLst>
               <a:ext uri="{FF2B5EF4-FFF2-40B4-BE49-F238E27FC236}">
@@ -6632,45 +6691,6 @@
             </a:r>
           </a:p>
           <a:p>
-            <a:endParaRPr lang="en-US" dirty="0"/>
-          </a:p>
-        </p:txBody>
-      </p:sp>
-      <p:sp>
-        <p:nvSpPr>
-          <p:cNvPr id="6" name="Title 1">
-            <a:extLst>
-              <a:ext uri="{FF2B5EF4-FFF2-40B4-BE49-F238E27FC236}">
-                <a16:creationId xmlns:a16="http://schemas.microsoft.com/office/drawing/2014/main" id="{E818DFC2-1DBF-2456-F3B0-F95A53356801}"/>
-              </a:ext>
-            </a:extLst>
-          </p:cNvPr>
-          <p:cNvSpPr>
-            <a:spLocks noGrp="1"/>
-          </p:cNvSpPr>
-          <p:nvPr>
-            <p:ph type="title"/>
-          </p:nvPr>
-        </p:nvSpPr>
-        <p:spPr>
-          <a:xfrm>
-            <a:off x="838200" y="365126"/>
-            <a:ext cx="10515600" cy="605836"/>
-          </a:xfrm>
-        </p:spPr>
-        <p:txBody>
-          <a:bodyPr>
-            <a:normAutofit fontScale="90000"/>
-          </a:bodyPr>
-          <a:lstStyle/>
-          <a:p>
-            <a:r>
-              <a:rPr lang="en-IN" b="0" i="0" dirty="0">
-                <a:effectLst/>
-                <a:latin typeface="sofia-pro"/>
-              </a:rPr>
-              <a:t>JS Iterating Over String</a:t>
-            </a:r>
             <a:endParaRPr lang="en-US" dirty="0"/>
           </a:p>
         </p:txBody>
@@ -7198,7 +7218,7 @@
         </p:spPr>
         <p:txBody>
           <a:bodyPr>
-            <a:normAutofit fontScale="92500" lnSpcReduction="10000"/>
+            <a:normAutofit fontScale="85000" lnSpcReduction="20000"/>
           </a:bodyPr>
           <a:lstStyle/>
           <a:p>
@@ -8862,9 +8882,9 @@
 </file>
 
 <file path=ppt/theme/theme1.xml><?xml version="1.0" encoding="utf-8"?>
-<a:theme xmlns:a="http://schemas.openxmlformats.org/drawingml/2006/main" name="Office Theme">
+<a:theme xmlns:a="http://schemas.openxmlformats.org/drawingml/2006/main" name="Basis">
   <a:themeElements>
-    <a:clrScheme name="Office">
+    <a:clrScheme name="Basis">
       <a:dk1>
         <a:sysClr val="windowText" lastClr="000000"/>
       </a:dk1>
@@ -8872,100 +8892,48 @@
         <a:sysClr val="window" lastClr="FFFFFF"/>
       </a:lt1>
       <a:dk2>
-        <a:srgbClr val="44546A"/>
+        <a:srgbClr val="335B74"/>
       </a:dk2>
       <a:lt2>
-        <a:srgbClr val="E7E6E6"/>
+        <a:srgbClr val="DFE3E5"/>
       </a:lt2>
       <a:accent1>
-        <a:srgbClr val="4472C4"/>
+        <a:srgbClr val="1CADE4"/>
       </a:accent1>
       <a:accent2>
-        <a:srgbClr val="ED7D31"/>
+        <a:srgbClr val="2683C6"/>
       </a:accent2>
       <a:accent3>
-        <a:srgbClr val="A5A5A5"/>
+        <a:srgbClr val="27CED7"/>
       </a:accent3>
       <a:accent4>
-        <a:srgbClr val="FFC000"/>
+        <a:srgbClr val="42BA97"/>
       </a:accent4>
       <a:accent5>
-        <a:srgbClr val="5B9BD5"/>
+        <a:srgbClr val="3E8853"/>
       </a:accent5>
       <a:accent6>
-        <a:srgbClr val="70AD47"/>
+        <a:srgbClr val="62A39F"/>
       </a:accent6>
       <a:hlink>
-        <a:srgbClr val="0563C1"/>
+        <a:srgbClr val="6EAC1C"/>
       </a:hlink>
       <a:folHlink>
-        <a:srgbClr val="954F72"/>
+        <a:srgbClr val="B26B02"/>
       </a:folHlink>
     </a:clrScheme>
-    <a:fontScheme name="Office">
+    <a:fontScheme name="Basis">
       <a:majorFont>
-        <a:latin typeface="Calibri Light" panose="020F0302020204030204"/>
+        <a:latin typeface="Corbel" panose="020B0503020204020204"/>
         <a:ea typeface=""/>
         <a:cs typeface=""/>
-        <a:font script="Jpan" typeface="游ゴシック Light"/>
+        <a:font script="Jpan" typeface="ＭＳ ゴシック"/>
         <a:font script="Hang" typeface="맑은 고딕"/>
-        <a:font script="Hans" typeface="等线 Light"/>
+        <a:font script="Hans" typeface="宋体"/>
         <a:font script="Hant" typeface="新細明體"/>
-        <a:font script="Arab" typeface="Times New Roman"/>
-        <a:font script="Hebr" typeface="Times New Roman"/>
-        <a:font script="Thai" typeface="Angsana New"/>
-        <a:font script="Ethi" typeface="Nyala"/>
-        <a:font script="Beng" typeface="Vrinda"/>
-        <a:font script="Gujr" typeface="Shruti"/>
-        <a:font script="Khmr" typeface="MoolBoran"/>
-        <a:font script="Knda" typeface="Tunga"/>
-        <a:font script="Guru" typeface="Raavi"/>
-        <a:font script="Cans" typeface="Euphemia"/>
-        <a:font script="Cher" typeface="Plantagenet Cherokee"/>
-        <a:font script="Yiii" typeface="Microsoft Yi Baiti"/>
-        <a:font script="Tibt" typeface="Microsoft Himalaya"/>
-        <a:font script="Thaa" typeface="MV Boli"/>
-        <a:font script="Deva" typeface="Mangal"/>
-        <a:font script="Telu" typeface="Gautami"/>
-        <a:font script="Taml" typeface="Latha"/>
-        <a:font script="Syrc" typeface="Estrangelo Edessa"/>
-        <a:font script="Orya" typeface="Kalinga"/>
-        <a:font script="Mlym" typeface="Kartika"/>
-        <a:font script="Laoo" typeface="DokChampa"/>
-        <a:font script="Sinh" typeface="Iskoola Pota"/>
-        <a:font script="Mong" typeface="Mongolian Baiti"/>
-        <a:font script="Viet" typeface="Times New Roman"/>
-        <a:font script="Uigh" typeface="Microsoft Uighur"/>
-        <a:font script="Geor" typeface="Sylfaen"/>
-        <a:font script="Armn" typeface="Arial"/>
-        <a:font script="Bugi" typeface="Leelawadee UI"/>
-        <a:font script="Bopo" typeface="Microsoft JhengHei"/>
-        <a:font script="Java" typeface="Javanese Text"/>
-        <a:font script="Lisu" typeface="Segoe UI"/>
-        <a:font script="Mymr" typeface="Myanmar Text"/>
-        <a:font script="Nkoo" typeface="Ebrima"/>
-        <a:font script="Olck" typeface="Nirmala UI"/>
-        <a:font script="Osma" typeface="Ebrima"/>
-        <a:font script="Phag" typeface="Phagspa"/>
-        <a:font script="Syrn" typeface="Estrangelo Edessa"/>
-        <a:font script="Syrj" typeface="Estrangelo Edessa"/>
-        <a:font script="Syre" typeface="Estrangelo Edessa"/>
-        <a:font script="Sora" typeface="Nirmala UI"/>
-        <a:font script="Tale" typeface="Microsoft Tai Le"/>
-        <a:font script="Talu" typeface="Microsoft New Tai Lue"/>
-        <a:font script="Tfng" typeface="Ebrima"/>
-      </a:majorFont>
-      <a:minorFont>
-        <a:latin typeface="Calibri" panose="020F0502020204030204"/>
-        <a:ea typeface=""/>
-        <a:cs typeface=""/>
-        <a:font script="Jpan" typeface="游ゴシック"/>
-        <a:font script="Hang" typeface="맑은 고딕"/>
-        <a:font script="Hans" typeface="等线"/>
-        <a:font script="Hant" typeface="新細明體"/>
-        <a:font script="Arab" typeface="Arial"/>
-        <a:font script="Hebr" typeface="Arial"/>
-        <a:font script="Thai" typeface="Cordia New"/>
+        <a:font script="Arab" typeface="Tahoma"/>
+        <a:font script="Hebr" typeface="Gisha"/>
+        <a:font script="Thai" typeface="DilleniaUPC"/>
         <a:font script="Ethi" typeface="Nyala"/>
         <a:font script="Beng" typeface="Vrinda"/>
         <a:font script="Gujr" typeface="Shruti"/>
@@ -8986,107 +8954,98 @@
         <a:font script="Laoo" typeface="DokChampa"/>
         <a:font script="Sinh" typeface="Iskoola Pota"/>
         <a:font script="Mong" typeface="Mongolian Baiti"/>
-        <a:font script="Viet" typeface="Arial"/>
+        <a:font script="Viet" typeface="Tahoma"/>
         <a:font script="Uigh" typeface="Microsoft Uighur"/>
         <a:font script="Geor" typeface="Sylfaen"/>
-        <a:font script="Armn" typeface="Arial"/>
-        <a:font script="Bugi" typeface="Leelawadee UI"/>
-        <a:font script="Bopo" typeface="Microsoft JhengHei"/>
-        <a:font script="Java" typeface="Javanese Text"/>
-        <a:font script="Lisu" typeface="Segoe UI"/>
-        <a:font script="Mymr" typeface="Myanmar Text"/>
-        <a:font script="Nkoo" typeface="Ebrima"/>
-        <a:font script="Olck" typeface="Nirmala UI"/>
-        <a:font script="Osma" typeface="Ebrima"/>
-        <a:font script="Phag" typeface="Phagspa"/>
-        <a:font script="Syrn" typeface="Estrangelo Edessa"/>
-        <a:font script="Syrj" typeface="Estrangelo Edessa"/>
-        <a:font script="Syre" typeface="Estrangelo Edessa"/>
-        <a:font script="Sora" typeface="Nirmala UI"/>
-        <a:font script="Tale" typeface="Microsoft Tai Le"/>
-        <a:font script="Talu" typeface="Microsoft New Tai Lue"/>
-        <a:font script="Tfng" typeface="Ebrima"/>
+      </a:majorFont>
+      <a:minorFont>
+        <a:latin typeface="Corbel" panose="020B0503020204020204"/>
+        <a:ea typeface=""/>
+        <a:cs typeface=""/>
+        <a:font script="Jpan" typeface="ＭＳ ゴシック"/>
+        <a:font script="Hang" typeface="맑은 고딕"/>
+        <a:font script="Hans" typeface="宋体"/>
+        <a:font script="Hant" typeface="新細明體"/>
+        <a:font script="Arab" typeface="Tahoma"/>
+        <a:font script="Hebr" typeface="Gisha"/>
+        <a:font script="Thai" typeface="DilleniaUPC"/>
+        <a:font script="Ethi" typeface="Nyala"/>
+        <a:font script="Beng" typeface="Vrinda"/>
+        <a:font script="Gujr" typeface="Shruti"/>
+        <a:font script="Khmr" typeface="DaunPenh"/>
+        <a:font script="Knda" typeface="Tunga"/>
+        <a:font script="Guru" typeface="Raavi"/>
+        <a:font script="Cans" typeface="Euphemia"/>
+        <a:font script="Cher" typeface="Plantagenet Cherokee"/>
+        <a:font script="Yiii" typeface="Microsoft Yi Baiti"/>
+        <a:font script="Tibt" typeface="Microsoft Himalaya"/>
+        <a:font script="Thaa" typeface="MV Boli"/>
+        <a:font script="Deva" typeface="Mangal"/>
+        <a:font script="Telu" typeface="Gautami"/>
+        <a:font script="Taml" typeface="Latha"/>
+        <a:font script="Syrc" typeface="Estrangelo Edessa"/>
+        <a:font script="Orya" typeface="Kalinga"/>
+        <a:font script="Mlym" typeface="Kartika"/>
+        <a:font script="Laoo" typeface="DokChampa"/>
+        <a:font script="Sinh" typeface="Iskoola Pota"/>
+        <a:font script="Mong" typeface="Mongolian Baiti"/>
+        <a:font script="Viet" typeface="Verdana"/>
+        <a:font script="Uigh" typeface="Microsoft Uighur"/>
+        <a:font script="Geor" typeface="Sylfaen"/>
       </a:minorFont>
     </a:fontScheme>
-    <a:fmtScheme name="Office">
+    <a:fmtScheme name="Basis">
       <a:fillStyleLst>
         <a:solidFill>
           <a:schemeClr val="phClr"/>
         </a:solidFill>
+        <a:solidFill>
+          <a:schemeClr val="phClr">
+            <a:tint val="55000"/>
+            <a:satMod val="130000"/>
+          </a:schemeClr>
+        </a:solidFill>
         <a:gradFill rotWithShape="1">
           <a:gsLst>
             <a:gs pos="0">
+              <a:schemeClr val="phClr"/>
+            </a:gs>
+            <a:gs pos="90000">
               <a:schemeClr val="phClr">
-                <a:lumMod val="110000"/>
+                <a:shade val="100000"/>
                 <a:satMod val="105000"/>
-                <a:tint val="67000"/>
-              </a:schemeClr>
-            </a:gs>
-            <a:gs pos="50000">
-              <a:schemeClr val="phClr">
-                <a:lumMod val="105000"/>
-                <a:satMod val="103000"/>
-                <a:tint val="73000"/>
               </a:schemeClr>
             </a:gs>
             <a:gs pos="100000">
               <a:schemeClr val="phClr">
-                <a:lumMod val="105000"/>
-                <a:satMod val="109000"/>
-                <a:tint val="81000"/>
+                <a:shade val="80000"/>
+                <a:satMod val="120000"/>
               </a:schemeClr>
             </a:gs>
           </a:gsLst>
-          <a:lin ang="5400000" scaled="0"/>
-        </a:gradFill>
-        <a:gradFill rotWithShape="1">
-          <a:gsLst>
-            <a:gs pos="0">
-              <a:schemeClr val="phClr">
-                <a:satMod val="103000"/>
-                <a:lumMod val="102000"/>
-                <a:tint val="94000"/>
-              </a:schemeClr>
-            </a:gs>
-            <a:gs pos="50000">
-              <a:schemeClr val="phClr">
-                <a:satMod val="110000"/>
-                <a:lumMod val="100000"/>
-                <a:shade val="100000"/>
-              </a:schemeClr>
-            </a:gs>
-            <a:gs pos="100000">
-              <a:schemeClr val="phClr">
-                <a:lumMod val="99000"/>
-                <a:satMod val="120000"/>
-                <a:shade val="78000"/>
-              </a:schemeClr>
-            </a:gs>
-          </a:gsLst>
-          <a:lin ang="5400000" scaled="0"/>
+          <a:path path="circle">
+            <a:fillToRect l="100000" t="100000" r="100000" b="100000"/>
+          </a:path>
         </a:gradFill>
       </a:fillStyleLst>
       <a:lnStyleLst>
-        <a:ln w="6350" cap="flat" cmpd="sng" algn="ctr">
+        <a:ln w="10000" cap="flat" cmpd="sng" algn="ctr">
           <a:solidFill>
             <a:schemeClr val="phClr"/>
           </a:solidFill>
           <a:prstDash val="solid"/>
-          <a:miter lim="800000"/>
-        </a:ln>
-        <a:ln w="12700" cap="flat" cmpd="sng" algn="ctr">
-          <a:solidFill>
-            <a:schemeClr val="phClr"/>
-          </a:solidFill>
-          <a:prstDash val="solid"/>
-          <a:miter lim="800000"/>
         </a:ln>
         <a:ln w="19050" cap="flat" cmpd="sng" algn="ctr">
           <a:solidFill>
             <a:schemeClr val="phClr"/>
           </a:solidFill>
           <a:prstDash val="solid"/>
-          <a:miter lim="800000"/>
+        </a:ln>
+        <a:ln w="53975" cap="flat" cmpd="dbl" algn="ctr">
+          <a:solidFill>
+            <a:schemeClr val="phClr"/>
+          </a:solidFill>
+          <a:prstDash val="solid"/>
         </a:ln>
       </a:lnStyleLst>
       <a:effectStyleLst>
@@ -9094,16 +9053,37 @@
           <a:effectLst/>
         </a:effectStyle>
         <a:effectStyle>
-          <a:effectLst/>
+          <a:effectLst>
+            <a:outerShdw blurRad="38100" dist="25400" dir="5400000" rotWithShape="0">
+              <a:srgbClr val="000000">
+                <a:alpha val="45000"/>
+              </a:srgbClr>
+            </a:outerShdw>
+          </a:effectLst>
         </a:effectStyle>
         <a:effectStyle>
           <a:effectLst>
-            <a:outerShdw blurRad="57150" dist="19050" dir="5400000" algn="ctr" rotWithShape="0">
+            <a:outerShdw blurRad="38100" dist="25400" dir="5400000" rotWithShape="0">
               <a:srgbClr val="000000">
-                <a:alpha val="63000"/>
+                <a:alpha val="45000"/>
               </a:srgbClr>
             </a:outerShdw>
           </a:effectLst>
+          <a:scene3d>
+            <a:camera prst="orthographicFront">
+              <a:rot lat="0" lon="0" rev="0"/>
+            </a:camera>
+            <a:lightRig rig="brightRoom" dir="t"/>
+          </a:scene3d>
+          <a:sp3d extrusionH="12700" contourW="25400" prstMaterial="flat">
+            <a:bevelT w="63500" h="152400" prst="angle"/>
+            <a:contourClr>
+              <a:schemeClr val="phClr">
+                <a:shade val="27000"/>
+                <a:satMod val="120000"/>
+              </a:schemeClr>
+            </a:contourClr>
+          </a:sp3d>
         </a:effectStyle>
       </a:effectStyleLst>
       <a:bgFillStyleLst>
@@ -9113,36 +9093,18 @@
         <a:solidFill>
           <a:schemeClr val="phClr">
             <a:tint val="95000"/>
-            <a:satMod val="170000"/>
+            <a:shade val="95000"/>
+            <a:satMod val="140000"/>
           </a:schemeClr>
         </a:solidFill>
-        <a:gradFill rotWithShape="1">
-          <a:gsLst>
-            <a:gs pos="0">
-              <a:schemeClr val="phClr">
-                <a:tint val="93000"/>
-                <a:satMod val="150000"/>
-                <a:shade val="98000"/>
-                <a:lumMod val="102000"/>
-              </a:schemeClr>
-            </a:gs>
-            <a:gs pos="50000">
-              <a:schemeClr val="phClr">
-                <a:tint val="98000"/>
-                <a:satMod val="130000"/>
-                <a:shade val="90000"/>
-                <a:lumMod val="103000"/>
-              </a:schemeClr>
-            </a:gs>
-            <a:gs pos="100000">
-              <a:schemeClr val="phClr">
-                <a:shade val="63000"/>
-                <a:satMod val="120000"/>
-              </a:schemeClr>
-            </a:gs>
-          </a:gsLst>
-          <a:lin ang="5400000" scaled="0"/>
-        </a:gradFill>
+        <a:solidFill>
+          <a:schemeClr val="phClr">
+            <a:tint val="90000"/>
+            <a:shade val="85000"/>
+            <a:satMod val="160000"/>
+            <a:lumMod val="110000"/>
+          </a:schemeClr>
+        </a:solidFill>
       </a:bgFillStyleLst>
     </a:fmtScheme>
   </a:themeElements>
@@ -9150,24 +9112,13 @@
   <a:extraClrSchemeLst/>
   <a:extLst>
     <a:ext uri="{05A4C25C-085E-4340-85A3-A5531E510DB2}">
-      <thm15:themeFamily xmlns:thm15="http://schemas.microsoft.com/office/thememl/2012/main" name="Office Theme" id="{62F939B6-93AF-4DB8-9C6B-D6C7DFDC589F}" vid="{4A3C46E8-61CC-4603-A589-7422A47A8E4A}"/>
+      <thm15:themeFamily xmlns:thm15="http://schemas.microsoft.com/office/thememl/2012/main" name="Basis" id="{5665723A-49BA-4B57-8411-A56F8F207965}" vid="{D9D01AC2-EE7D-4E49-99EE-8E62E4E7E8A7}"/>
     </a:ext>
   </a:extLst>
 </a:theme>
 </file>
 
 <file path=customXml/item1.xml><?xml version="1.0" encoding="utf-8"?>
-<p:properties xmlns:p="http://schemas.microsoft.com/office/2006/metadata/properties" xmlns:xsi="http://www.w3.org/2001/XMLSchema-instance" xmlns:pc="http://schemas.microsoft.com/office/infopath/2007/PartnerControls">
-  <documentManagement>
-    <TaxCatchAll xmlns="202a9836-ee93-41fb-ba3c-167105785a0d" xsi:nil="true"/>
-    <lcf76f155ced4ddcb4097134ff3c332f xmlns="11dab2fc-a00f-488b-a519-3911044eea4e">
-      <Terms xmlns="http://schemas.microsoft.com/office/infopath/2007/PartnerControls"/>
-    </lcf76f155ced4ddcb4097134ff3c332f>
-  </documentManagement>
-</p:properties>
-</file>
-
-<file path=customXml/item2.xml><?xml version="1.0" encoding="utf-8"?>
 <ct:contentTypeSchema xmlns:ct="http://schemas.microsoft.com/office/2006/metadata/contentType" xmlns:ma="http://schemas.microsoft.com/office/2006/metadata/properties/metaAttributes" ct:_="" ma:_="" ma:contentTypeName="Document" ma:contentTypeID="0x01010025EC667E64F3664AA9FF84395B73BBB2" ma:contentTypeVersion="12" ma:contentTypeDescription="Create a new document." ma:contentTypeScope="" ma:versionID="6b12c4ceb98f90cef75c2b4a7241f9ea">
   <xsd:schema xmlns:xsd="http://www.w3.org/2001/XMLSchema" xmlns:xs="http://www.w3.org/2001/XMLSchema" xmlns:p="http://schemas.microsoft.com/office/2006/metadata/properties" xmlns:ns2="11dab2fc-a00f-488b-a519-3911044eea4e" xmlns:ns3="202a9836-ee93-41fb-ba3c-167105785a0d" targetNamespace="http://schemas.microsoft.com/office/2006/metadata/properties" ma:root="true" ma:fieldsID="c1df371a784d1a7c3bc1d50e69810467" ns2:_="" ns3:_="">
     <xsd:import namespace="11dab2fc-a00f-488b-a519-3911044eea4e"/>
@@ -9384,6 +9335,17 @@
 </ct:contentTypeSchema>
 </file>
 
+<file path=customXml/item2.xml><?xml version="1.0" encoding="utf-8"?>
+<p:properties xmlns:p="http://schemas.microsoft.com/office/2006/metadata/properties" xmlns:xsi="http://www.w3.org/2001/XMLSchema-instance" xmlns:pc="http://schemas.microsoft.com/office/infopath/2007/PartnerControls">
+  <documentManagement>
+    <TaxCatchAll xmlns="202a9836-ee93-41fb-ba3c-167105785a0d" xsi:nil="true"/>
+    <lcf76f155ced4ddcb4097134ff3c332f xmlns="11dab2fc-a00f-488b-a519-3911044eea4e">
+      <Terms xmlns="http://schemas.microsoft.com/office/infopath/2007/PartnerControls"/>
+    </lcf76f155ced4ddcb4097134ff3c332f>
+  </documentManagement>
+</p:properties>
+</file>
+
 <file path=customXml/item3.xml><?xml version="1.0" encoding="utf-8"?>
 <?mso-contentType ?>
 <FormTemplates xmlns="http://schemas.microsoft.com/sharepoint/v3/contenttype/forms">
@@ -9394,17 +9356,6 @@
 </file>
 
 <file path=customXml/itemProps1.xml><?xml version="1.0" encoding="utf-8"?>
-<ds:datastoreItem xmlns:ds="http://schemas.openxmlformats.org/officeDocument/2006/customXml" ds:itemID="{4F586F90-5EEB-4EB2-8DD3-FE943DB3AD4F}">
-  <ds:schemaRefs>
-    <ds:schemaRef ds:uri="http://schemas.microsoft.com/office/2006/metadata/properties"/>
-    <ds:schemaRef ds:uri="http://schemas.microsoft.com/office/infopath/2007/PartnerControls"/>
-    <ds:schemaRef ds:uri="202a9836-ee93-41fb-ba3c-167105785a0d"/>
-    <ds:schemaRef ds:uri="11dab2fc-a00f-488b-a519-3911044eea4e"/>
-  </ds:schemaRefs>
-</ds:datastoreItem>
-</file>
-
-<file path=customXml/itemProps2.xml><?xml version="1.0" encoding="utf-8"?>
 <ds:datastoreItem xmlns:ds="http://schemas.openxmlformats.org/officeDocument/2006/customXml" ds:itemID="{3FFEEB60-8868-4A03-929D-B572E2280C3D}">
   <ds:schemaRefs>
     <ds:schemaRef ds:uri="http://schemas.microsoft.com/office/2006/metadata/contentType"/>
@@ -9423,6 +9374,17 @@
 </ds:datastoreItem>
 </file>
 
+<file path=customXml/itemProps2.xml><?xml version="1.0" encoding="utf-8"?>
+<ds:datastoreItem xmlns:ds="http://schemas.openxmlformats.org/officeDocument/2006/customXml" ds:itemID="{4F586F90-5EEB-4EB2-8DD3-FE943DB3AD4F}">
+  <ds:schemaRefs>
+    <ds:schemaRef ds:uri="http://schemas.microsoft.com/office/2006/metadata/properties"/>
+    <ds:schemaRef ds:uri="http://schemas.microsoft.com/office/infopath/2007/PartnerControls"/>
+    <ds:schemaRef ds:uri="202a9836-ee93-41fb-ba3c-167105785a0d"/>
+    <ds:schemaRef ds:uri="11dab2fc-a00f-488b-a519-3911044eea4e"/>
+  </ds:schemaRefs>
+</ds:datastoreItem>
+</file>
+
 <file path=customXml/itemProps3.xml><?xml version="1.0" encoding="utf-8"?>
 <ds:datastoreItem xmlns:ds="http://schemas.openxmlformats.org/officeDocument/2006/customXml" ds:itemID="{375B9BBE-CDA7-4BF6-9C3E-394A18ECAA6C}">
   <ds:schemaRefs>

--- a/GFG JS Course Curriculam/Articles/004 String Values.pptx
+++ b/GFG JS Course Curriculam/Articles/004 String Values.pptx
@@ -19,10 +19,6 @@
     <p:sldId id="267" r:id="rId16"/>
     <p:sldId id="268" r:id="rId17"/>
     <p:sldId id="269" r:id="rId18"/>
-    <p:sldId id="270" r:id="rId19"/>
-    <p:sldId id="271" r:id="rId20"/>
-    <p:sldId id="272" r:id="rId21"/>
-    <p:sldId id="273" r:id="rId22"/>
   </p:sldIdLst>
   <p:sldSz cx="12192000" cy="6858000"/>
   <p:notesSz cx="6858000" cy="9144000"/>
@@ -479,7 +475,7 @@
           <a:p>
             <a:fld id="{E43A1977-0EB2-419C-8046-0F4A66D252E0}" type="datetimeFigureOut">
               <a:rPr lang="en-US" smtClean="0"/>
-              <a:t>12/25/2022</a:t>
+              <a:t>9/14/2023</a:t>
             </a:fld>
             <a:endParaRPr lang="en-US"/>
           </a:p>
@@ -700,7 +696,7 @@
           <a:p>
             <a:fld id="{E43A1977-0EB2-419C-8046-0F4A66D252E0}" type="datetimeFigureOut">
               <a:rPr lang="en-US" smtClean="0"/>
-              <a:t>12/25/2022</a:t>
+              <a:t>9/14/2023</a:t>
             </a:fld>
             <a:endParaRPr lang="en-US"/>
           </a:p>
@@ -880,7 +876,7 @@
           <a:p>
             <a:fld id="{E43A1977-0EB2-419C-8046-0F4A66D252E0}" type="datetimeFigureOut">
               <a:rPr lang="en-US" smtClean="0"/>
-              <a:t>12/25/2022</a:t>
+              <a:t>9/14/2023</a:t>
             </a:fld>
             <a:endParaRPr lang="en-US"/>
           </a:p>
@@ -1055,7 +1051,7 @@
           <a:p>
             <a:fld id="{E43A1977-0EB2-419C-8046-0F4A66D252E0}" type="datetimeFigureOut">
               <a:rPr lang="en-US" smtClean="0"/>
-              <a:t>12/25/2022</a:t>
+              <a:t>9/14/2023</a:t>
             </a:fld>
             <a:endParaRPr lang="en-US"/>
           </a:p>
@@ -1225,7 +1221,7 @@
           <a:p>
             <a:fld id="{E43A1977-0EB2-419C-8046-0F4A66D252E0}" type="datetimeFigureOut">
               <a:rPr lang="en-US" smtClean="0"/>
-              <a:t>12/25/2022</a:t>
+              <a:t>9/14/2023</a:t>
             </a:fld>
             <a:endParaRPr lang="en-US"/>
           </a:p>
@@ -1476,7 +1472,7 @@
           <a:p>
             <a:fld id="{E43A1977-0EB2-419C-8046-0F4A66D252E0}" type="datetimeFigureOut">
               <a:rPr lang="en-US" smtClean="0"/>
-              <a:t>12/25/2022</a:t>
+              <a:t>9/14/2023</a:t>
             </a:fld>
             <a:endParaRPr lang="en-US"/>
           </a:p>
@@ -1799,7 +1795,7 @@
           <a:p>
             <a:fld id="{E43A1977-0EB2-419C-8046-0F4A66D252E0}" type="datetimeFigureOut">
               <a:rPr lang="en-US" smtClean="0"/>
-              <a:t>12/25/2022</a:t>
+              <a:t>9/14/2023</a:t>
             </a:fld>
             <a:endParaRPr lang="en-US"/>
           </a:p>
@@ -2223,7 +2219,7 @@
           <a:p>
             <a:fld id="{E43A1977-0EB2-419C-8046-0F4A66D252E0}" type="datetimeFigureOut">
               <a:rPr lang="en-US" smtClean="0"/>
-              <a:t>12/25/2022</a:t>
+              <a:t>9/14/2023</a:t>
             </a:fld>
             <a:endParaRPr lang="en-US"/>
           </a:p>
@@ -2341,7 +2337,7 @@
           <a:p>
             <a:fld id="{E43A1977-0EB2-419C-8046-0F4A66D252E0}" type="datetimeFigureOut">
               <a:rPr lang="en-US" smtClean="0"/>
-              <a:t>12/25/2022</a:t>
+              <a:t>9/14/2023</a:t>
             </a:fld>
             <a:endParaRPr lang="en-US"/>
           </a:p>
@@ -2436,7 +2432,7 @@
           <a:p>
             <a:fld id="{E43A1977-0EB2-419C-8046-0F4A66D252E0}" type="datetimeFigureOut">
               <a:rPr lang="en-US" smtClean="0"/>
-              <a:t>12/25/2022</a:t>
+              <a:t>9/14/2023</a:t>
             </a:fld>
             <a:endParaRPr lang="en-US"/>
           </a:p>
@@ -2726,7 +2722,7 @@
           <a:p>
             <a:fld id="{E43A1977-0EB2-419C-8046-0F4A66D252E0}" type="datetimeFigureOut">
               <a:rPr lang="en-US" smtClean="0"/>
-              <a:t>12/25/2022</a:t>
+              <a:t>9/14/2023</a:t>
             </a:fld>
             <a:endParaRPr lang="en-US"/>
           </a:p>
@@ -2998,7 +2994,7 @@
           <a:p>
             <a:fld id="{E43A1977-0EB2-419C-8046-0F4A66D252E0}" type="datetimeFigureOut">
               <a:rPr lang="en-US" smtClean="0"/>
-              <a:t>12/25/2022</a:t>
+              <a:t>9/14/2023</a:t>
             </a:fld>
             <a:endParaRPr lang="en-US"/>
           </a:p>
@@ -3252,7 +3248,7 @@
           <a:p>
             <a:fld id="{E43A1977-0EB2-419C-8046-0F4A66D252E0}" type="datetimeFigureOut">
               <a:rPr lang="en-US" smtClean="0"/>
-              <a:t>12/25/2022</a:t>
+              <a:t>9/14/2023</a:t>
             </a:fld>
             <a:endParaRPr lang="en-US"/>
           </a:p>
@@ -5733,326 +5729,6 @@
 </p:sld>
 </file>
 
-<file path=ppt/slides/slide15.xml><?xml version="1.0" encoding="utf-8"?>
-<p:sld xmlns:a="http://schemas.openxmlformats.org/drawingml/2006/main" xmlns:r="http://schemas.openxmlformats.org/officeDocument/2006/relationships" xmlns:p="http://schemas.openxmlformats.org/presentationml/2006/main">
-  <p:cSld>
-    <p:spTree>
-      <p:nvGrpSpPr>
-        <p:cNvPr id="1" name=""/>
-        <p:cNvGrpSpPr/>
-        <p:nvPr/>
-      </p:nvGrpSpPr>
-      <p:grpSpPr>
-        <a:xfrm>
-          <a:off x="0" y="0"/>
-          <a:ext cx="0" cy="0"/>
-          <a:chOff x="0" y="0"/>
-          <a:chExt cx="0" cy="0"/>
-        </a:xfrm>
-      </p:grpSpPr>
-      <p:sp>
-        <p:nvSpPr>
-          <p:cNvPr id="2" name="Title 1">
-            <a:extLst>
-              <a:ext uri="{FF2B5EF4-FFF2-40B4-BE49-F238E27FC236}">
-                <a16:creationId xmlns:a16="http://schemas.microsoft.com/office/drawing/2014/main" id="{423B17D5-6F67-4FD5-0482-C85E0FA69B27}"/>
-              </a:ext>
-            </a:extLst>
-          </p:cNvPr>
-          <p:cNvSpPr>
-            <a:spLocks noGrp="1"/>
-          </p:cNvSpPr>
-          <p:nvPr>
-            <p:ph type="title"/>
-          </p:nvPr>
-        </p:nvSpPr>
-        <p:spPr/>
-        <p:txBody>
-          <a:bodyPr/>
-          <a:lstStyle/>
-          <a:p>
-            <a:endParaRPr lang="en-IN"/>
-          </a:p>
-        </p:txBody>
-      </p:sp>
-      <p:sp>
-        <p:nvSpPr>
-          <p:cNvPr id="3" name="Content Placeholder 2">
-            <a:extLst>
-              <a:ext uri="{FF2B5EF4-FFF2-40B4-BE49-F238E27FC236}">
-                <a16:creationId xmlns:a16="http://schemas.microsoft.com/office/drawing/2014/main" id="{50658682-DD93-F16B-5919-915819BC9FF4}"/>
-              </a:ext>
-            </a:extLst>
-          </p:cNvPr>
-          <p:cNvSpPr>
-            <a:spLocks noGrp="1"/>
-          </p:cNvSpPr>
-          <p:nvPr>
-            <p:ph sz="quarter" idx="13"/>
-          </p:nvPr>
-        </p:nvSpPr>
-        <p:spPr/>
-        <p:txBody>
-          <a:bodyPr/>
-          <a:lstStyle/>
-          <a:p>
-            <a:endParaRPr lang="en-IN"/>
-          </a:p>
-        </p:txBody>
-      </p:sp>
-    </p:spTree>
-    <p:extLst>
-      <p:ext uri="{BB962C8B-B14F-4D97-AF65-F5344CB8AC3E}">
-        <p14:creationId xmlns:p14="http://schemas.microsoft.com/office/powerpoint/2010/main" val="401016513"/>
-      </p:ext>
-    </p:extLst>
-  </p:cSld>
-  <p:clrMapOvr>
-    <a:masterClrMapping/>
-  </p:clrMapOvr>
-</p:sld>
-</file>
-
-<file path=ppt/slides/slide16.xml><?xml version="1.0" encoding="utf-8"?>
-<p:sld xmlns:a="http://schemas.openxmlformats.org/drawingml/2006/main" xmlns:r="http://schemas.openxmlformats.org/officeDocument/2006/relationships" xmlns:p="http://schemas.openxmlformats.org/presentationml/2006/main">
-  <p:cSld>
-    <p:spTree>
-      <p:nvGrpSpPr>
-        <p:cNvPr id="1" name=""/>
-        <p:cNvGrpSpPr/>
-        <p:nvPr/>
-      </p:nvGrpSpPr>
-      <p:grpSpPr>
-        <a:xfrm>
-          <a:off x="0" y="0"/>
-          <a:ext cx="0" cy="0"/>
-          <a:chOff x="0" y="0"/>
-          <a:chExt cx="0" cy="0"/>
-        </a:xfrm>
-      </p:grpSpPr>
-      <p:sp>
-        <p:nvSpPr>
-          <p:cNvPr id="2" name="Title 1">
-            <a:extLst>
-              <a:ext uri="{FF2B5EF4-FFF2-40B4-BE49-F238E27FC236}">
-                <a16:creationId xmlns:a16="http://schemas.microsoft.com/office/drawing/2014/main" id="{CBBD012A-9F0C-6A04-E5F6-1D4F8BA4CBE0}"/>
-              </a:ext>
-            </a:extLst>
-          </p:cNvPr>
-          <p:cNvSpPr>
-            <a:spLocks noGrp="1"/>
-          </p:cNvSpPr>
-          <p:nvPr>
-            <p:ph type="title"/>
-          </p:nvPr>
-        </p:nvSpPr>
-        <p:spPr/>
-        <p:txBody>
-          <a:bodyPr/>
-          <a:lstStyle/>
-          <a:p>
-            <a:endParaRPr lang="en-IN"/>
-          </a:p>
-        </p:txBody>
-      </p:sp>
-      <p:sp>
-        <p:nvSpPr>
-          <p:cNvPr id="3" name="Content Placeholder 2">
-            <a:extLst>
-              <a:ext uri="{FF2B5EF4-FFF2-40B4-BE49-F238E27FC236}">
-                <a16:creationId xmlns:a16="http://schemas.microsoft.com/office/drawing/2014/main" id="{3C1BCCB4-426B-CCF6-36FD-B8013437992C}"/>
-              </a:ext>
-            </a:extLst>
-          </p:cNvPr>
-          <p:cNvSpPr>
-            <a:spLocks noGrp="1"/>
-          </p:cNvSpPr>
-          <p:nvPr>
-            <p:ph sz="quarter" idx="13"/>
-          </p:nvPr>
-        </p:nvSpPr>
-        <p:spPr/>
-        <p:txBody>
-          <a:bodyPr/>
-          <a:lstStyle/>
-          <a:p>
-            <a:endParaRPr lang="en-IN"/>
-          </a:p>
-        </p:txBody>
-      </p:sp>
-    </p:spTree>
-    <p:extLst>
-      <p:ext uri="{BB962C8B-B14F-4D97-AF65-F5344CB8AC3E}">
-        <p14:creationId xmlns:p14="http://schemas.microsoft.com/office/powerpoint/2010/main" val="3048652282"/>
-      </p:ext>
-    </p:extLst>
-  </p:cSld>
-  <p:clrMapOvr>
-    <a:masterClrMapping/>
-  </p:clrMapOvr>
-</p:sld>
-</file>
-
-<file path=ppt/slides/slide17.xml><?xml version="1.0" encoding="utf-8"?>
-<p:sld xmlns:a="http://schemas.openxmlformats.org/drawingml/2006/main" xmlns:r="http://schemas.openxmlformats.org/officeDocument/2006/relationships" xmlns:p="http://schemas.openxmlformats.org/presentationml/2006/main">
-  <p:cSld>
-    <p:spTree>
-      <p:nvGrpSpPr>
-        <p:cNvPr id="1" name=""/>
-        <p:cNvGrpSpPr/>
-        <p:nvPr/>
-      </p:nvGrpSpPr>
-      <p:grpSpPr>
-        <a:xfrm>
-          <a:off x="0" y="0"/>
-          <a:ext cx="0" cy="0"/>
-          <a:chOff x="0" y="0"/>
-          <a:chExt cx="0" cy="0"/>
-        </a:xfrm>
-      </p:grpSpPr>
-      <p:sp>
-        <p:nvSpPr>
-          <p:cNvPr id="2" name="Title 1">
-            <a:extLst>
-              <a:ext uri="{FF2B5EF4-FFF2-40B4-BE49-F238E27FC236}">
-                <a16:creationId xmlns:a16="http://schemas.microsoft.com/office/drawing/2014/main" id="{EA7A9929-546C-D147-9B78-5CE45B407FA8}"/>
-              </a:ext>
-            </a:extLst>
-          </p:cNvPr>
-          <p:cNvSpPr>
-            <a:spLocks noGrp="1"/>
-          </p:cNvSpPr>
-          <p:nvPr>
-            <p:ph type="title"/>
-          </p:nvPr>
-        </p:nvSpPr>
-        <p:spPr/>
-        <p:txBody>
-          <a:bodyPr/>
-          <a:lstStyle/>
-          <a:p>
-            <a:endParaRPr lang="en-IN"/>
-          </a:p>
-        </p:txBody>
-      </p:sp>
-      <p:sp>
-        <p:nvSpPr>
-          <p:cNvPr id="3" name="Content Placeholder 2">
-            <a:extLst>
-              <a:ext uri="{FF2B5EF4-FFF2-40B4-BE49-F238E27FC236}">
-                <a16:creationId xmlns:a16="http://schemas.microsoft.com/office/drawing/2014/main" id="{70DC11F4-1FDA-97CC-0B11-A9E35F673D51}"/>
-              </a:ext>
-            </a:extLst>
-          </p:cNvPr>
-          <p:cNvSpPr>
-            <a:spLocks noGrp="1"/>
-          </p:cNvSpPr>
-          <p:nvPr>
-            <p:ph sz="quarter" idx="13"/>
-          </p:nvPr>
-        </p:nvSpPr>
-        <p:spPr/>
-        <p:txBody>
-          <a:bodyPr/>
-          <a:lstStyle/>
-          <a:p>
-            <a:endParaRPr lang="en-IN"/>
-          </a:p>
-        </p:txBody>
-      </p:sp>
-    </p:spTree>
-    <p:extLst>
-      <p:ext uri="{BB962C8B-B14F-4D97-AF65-F5344CB8AC3E}">
-        <p14:creationId xmlns:p14="http://schemas.microsoft.com/office/powerpoint/2010/main" val="3782810341"/>
-      </p:ext>
-    </p:extLst>
-  </p:cSld>
-  <p:clrMapOvr>
-    <a:masterClrMapping/>
-  </p:clrMapOvr>
-</p:sld>
-</file>
-
-<file path=ppt/slides/slide18.xml><?xml version="1.0" encoding="utf-8"?>
-<p:sld xmlns:a="http://schemas.openxmlformats.org/drawingml/2006/main" xmlns:r="http://schemas.openxmlformats.org/officeDocument/2006/relationships" xmlns:p="http://schemas.openxmlformats.org/presentationml/2006/main">
-  <p:cSld>
-    <p:spTree>
-      <p:nvGrpSpPr>
-        <p:cNvPr id="1" name=""/>
-        <p:cNvGrpSpPr/>
-        <p:nvPr/>
-      </p:nvGrpSpPr>
-      <p:grpSpPr>
-        <a:xfrm>
-          <a:off x="0" y="0"/>
-          <a:ext cx="0" cy="0"/>
-          <a:chOff x="0" y="0"/>
-          <a:chExt cx="0" cy="0"/>
-        </a:xfrm>
-      </p:grpSpPr>
-      <p:sp>
-        <p:nvSpPr>
-          <p:cNvPr id="2" name="Title 1">
-            <a:extLst>
-              <a:ext uri="{FF2B5EF4-FFF2-40B4-BE49-F238E27FC236}">
-                <a16:creationId xmlns:a16="http://schemas.microsoft.com/office/drawing/2014/main" id="{18C1FD1F-E34F-5F54-CD11-1089236A720C}"/>
-              </a:ext>
-            </a:extLst>
-          </p:cNvPr>
-          <p:cNvSpPr>
-            <a:spLocks noGrp="1"/>
-          </p:cNvSpPr>
-          <p:nvPr>
-            <p:ph type="title"/>
-          </p:nvPr>
-        </p:nvSpPr>
-        <p:spPr/>
-        <p:txBody>
-          <a:bodyPr/>
-          <a:lstStyle/>
-          <a:p>
-            <a:endParaRPr lang="en-IN"/>
-          </a:p>
-        </p:txBody>
-      </p:sp>
-      <p:sp>
-        <p:nvSpPr>
-          <p:cNvPr id="3" name="Content Placeholder 2">
-            <a:extLst>
-              <a:ext uri="{FF2B5EF4-FFF2-40B4-BE49-F238E27FC236}">
-                <a16:creationId xmlns:a16="http://schemas.microsoft.com/office/drawing/2014/main" id="{624DEDBC-59D3-C581-239A-B24E01894739}"/>
-              </a:ext>
-            </a:extLst>
-          </p:cNvPr>
-          <p:cNvSpPr>
-            <a:spLocks noGrp="1"/>
-          </p:cNvSpPr>
-          <p:nvPr>
-            <p:ph sz="quarter" idx="13"/>
-          </p:nvPr>
-        </p:nvSpPr>
-        <p:spPr/>
-        <p:txBody>
-          <a:bodyPr/>
-          <a:lstStyle/>
-          <a:p>
-            <a:endParaRPr lang="en-IN"/>
-          </a:p>
-        </p:txBody>
-      </p:sp>
-    </p:spTree>
-    <p:extLst>
-      <p:ext uri="{BB962C8B-B14F-4D97-AF65-F5344CB8AC3E}">
-        <p14:creationId xmlns:p14="http://schemas.microsoft.com/office/powerpoint/2010/main" val="1386906387"/>
-      </p:ext>
-    </p:extLst>
-  </p:cSld>
-  <p:clrMapOvr>
-    <a:masterClrMapping/>
-  </p:clrMapOvr>
-</p:sld>
-</file>
-
 <file path=ppt/slides/slide2.xml><?xml version="1.0" encoding="utf-8"?>
 <p:sld xmlns:a="http://schemas.openxmlformats.org/drawingml/2006/main" xmlns:r="http://schemas.openxmlformats.org/officeDocument/2006/relationships" xmlns:p="http://schemas.openxmlformats.org/presentationml/2006/main">
   <p:cSld>
@@ -9119,6 +8795,17 @@
 </file>
 
 <file path=customXml/item1.xml><?xml version="1.0" encoding="utf-8"?>
+<p:properties xmlns:p="http://schemas.microsoft.com/office/2006/metadata/properties" xmlns:xsi="http://www.w3.org/2001/XMLSchema-instance" xmlns:pc="http://schemas.microsoft.com/office/infopath/2007/PartnerControls">
+  <documentManagement>
+    <TaxCatchAll xmlns="202a9836-ee93-41fb-ba3c-167105785a0d" xsi:nil="true"/>
+    <lcf76f155ced4ddcb4097134ff3c332f xmlns="11dab2fc-a00f-488b-a519-3911044eea4e">
+      <Terms xmlns="http://schemas.microsoft.com/office/infopath/2007/PartnerControls"/>
+    </lcf76f155ced4ddcb4097134ff3c332f>
+  </documentManagement>
+</p:properties>
+</file>
+
+<file path=customXml/item2.xml><?xml version="1.0" encoding="utf-8"?>
 <ct:contentTypeSchema xmlns:ct="http://schemas.microsoft.com/office/2006/metadata/contentType" xmlns:ma="http://schemas.microsoft.com/office/2006/metadata/properties/metaAttributes" ct:_="" ma:_="" ma:contentTypeName="Document" ma:contentTypeID="0x01010025EC667E64F3664AA9FF84395B73BBB2" ma:contentTypeVersion="12" ma:contentTypeDescription="Create a new document." ma:contentTypeScope="" ma:versionID="6b12c4ceb98f90cef75c2b4a7241f9ea">
   <xsd:schema xmlns:xsd="http://www.w3.org/2001/XMLSchema" xmlns:xs="http://www.w3.org/2001/XMLSchema" xmlns:p="http://schemas.microsoft.com/office/2006/metadata/properties" xmlns:ns2="11dab2fc-a00f-488b-a519-3911044eea4e" xmlns:ns3="202a9836-ee93-41fb-ba3c-167105785a0d" targetNamespace="http://schemas.microsoft.com/office/2006/metadata/properties" ma:root="true" ma:fieldsID="c1df371a784d1a7c3bc1d50e69810467" ns2:_="" ns3:_="">
     <xsd:import namespace="11dab2fc-a00f-488b-a519-3911044eea4e"/>
@@ -9335,17 +9022,6 @@
 </ct:contentTypeSchema>
 </file>
 
-<file path=customXml/item2.xml><?xml version="1.0" encoding="utf-8"?>
-<p:properties xmlns:p="http://schemas.microsoft.com/office/2006/metadata/properties" xmlns:xsi="http://www.w3.org/2001/XMLSchema-instance" xmlns:pc="http://schemas.microsoft.com/office/infopath/2007/PartnerControls">
-  <documentManagement>
-    <TaxCatchAll xmlns="202a9836-ee93-41fb-ba3c-167105785a0d" xsi:nil="true"/>
-    <lcf76f155ced4ddcb4097134ff3c332f xmlns="11dab2fc-a00f-488b-a519-3911044eea4e">
-      <Terms xmlns="http://schemas.microsoft.com/office/infopath/2007/PartnerControls"/>
-    </lcf76f155ced4ddcb4097134ff3c332f>
-  </documentManagement>
-</p:properties>
-</file>
-
 <file path=customXml/item3.xml><?xml version="1.0" encoding="utf-8"?>
 <?mso-contentType ?>
 <FormTemplates xmlns="http://schemas.microsoft.com/sharepoint/v3/contenttype/forms">
@@ -9356,6 +9032,17 @@
 </file>
 
 <file path=customXml/itemProps1.xml><?xml version="1.0" encoding="utf-8"?>
+<ds:datastoreItem xmlns:ds="http://schemas.openxmlformats.org/officeDocument/2006/customXml" ds:itemID="{4F586F90-5EEB-4EB2-8DD3-FE943DB3AD4F}">
+  <ds:schemaRefs>
+    <ds:schemaRef ds:uri="http://schemas.microsoft.com/office/2006/metadata/properties"/>
+    <ds:schemaRef ds:uri="http://schemas.microsoft.com/office/infopath/2007/PartnerControls"/>
+    <ds:schemaRef ds:uri="202a9836-ee93-41fb-ba3c-167105785a0d"/>
+    <ds:schemaRef ds:uri="11dab2fc-a00f-488b-a519-3911044eea4e"/>
+  </ds:schemaRefs>
+</ds:datastoreItem>
+</file>
+
+<file path=customXml/itemProps2.xml><?xml version="1.0" encoding="utf-8"?>
 <ds:datastoreItem xmlns:ds="http://schemas.openxmlformats.org/officeDocument/2006/customXml" ds:itemID="{3FFEEB60-8868-4A03-929D-B572E2280C3D}">
   <ds:schemaRefs>
     <ds:schemaRef ds:uri="http://schemas.microsoft.com/office/2006/metadata/contentType"/>
@@ -9374,17 +9061,6 @@
 </ds:datastoreItem>
 </file>
 
-<file path=customXml/itemProps2.xml><?xml version="1.0" encoding="utf-8"?>
-<ds:datastoreItem xmlns:ds="http://schemas.openxmlformats.org/officeDocument/2006/customXml" ds:itemID="{4F586F90-5EEB-4EB2-8DD3-FE943DB3AD4F}">
-  <ds:schemaRefs>
-    <ds:schemaRef ds:uri="http://schemas.microsoft.com/office/2006/metadata/properties"/>
-    <ds:schemaRef ds:uri="http://schemas.microsoft.com/office/infopath/2007/PartnerControls"/>
-    <ds:schemaRef ds:uri="202a9836-ee93-41fb-ba3c-167105785a0d"/>
-    <ds:schemaRef ds:uri="11dab2fc-a00f-488b-a519-3911044eea4e"/>
-  </ds:schemaRefs>
-</ds:datastoreItem>
-</file>
-
 <file path=customXml/itemProps3.xml><?xml version="1.0" encoding="utf-8"?>
 <ds:datastoreItem xmlns:ds="http://schemas.openxmlformats.org/officeDocument/2006/customXml" ds:itemID="{375B9BBE-CDA7-4BF6-9C3E-394A18ECAA6C}">
   <ds:schemaRefs>
